--- a/!docs/Presentation (Statsenko).pptx
+++ b/!docs/Presentation (Statsenko).pptx
@@ -6,10 +6,15 @@
   </p:sldMasterIdLst>
   <p:sldIdLst>
     <p:sldId id="256" r:id="rId2"/>
-    <p:sldId id="257" r:id="rId3"/>
-    <p:sldId id="258" r:id="rId4"/>
-    <p:sldId id="259" r:id="rId5"/>
-    <p:sldId id="260" r:id="rId6"/>
+    <p:sldId id="261" r:id="rId3"/>
+    <p:sldId id="257" r:id="rId4"/>
+    <p:sldId id="258" r:id="rId5"/>
+    <p:sldId id="259" r:id="rId6"/>
+    <p:sldId id="260" r:id="rId7"/>
+    <p:sldId id="262" r:id="rId8"/>
+    <p:sldId id="263" r:id="rId9"/>
+    <p:sldId id="264" r:id="rId10"/>
+    <p:sldId id="265" r:id="rId11"/>
   </p:sldIdLst>
   <p:sldSz cx="9144000" cy="6858000" type="screen4x3"/>
   <p:notesSz cx="6858000" cy="9144000"/>
@@ -114,6 +119,7 @@
         <p14:section name="1. Введение, роль форума" id="{9A2C4EC1-0B96-4A85-A987-1AD03E60887F}">
           <p14:sldIdLst>
             <p14:sldId id="256"/>
+            <p14:sldId id="261"/>
             <p14:sldId id="257"/>
           </p14:sldIdLst>
         </p14:section>
@@ -126,6 +132,14 @@
           <p14:sldIdLst>
             <p14:sldId id="259"/>
             <p14:sldId id="260"/>
+            <p14:sldId id="262"/>
+            <p14:sldId id="263"/>
+          </p14:sldIdLst>
+        </p14:section>
+        <p14:section name="7. Модули, внешний вид" id="{6802FB34-D349-4E83-8A47-2E8ACF8A29DC}">
+          <p14:sldIdLst>
+            <p14:sldId id="264"/>
+            <p14:sldId id="265"/>
           </p14:sldIdLst>
         </p14:section>
       </p14:sectionLst>
@@ -3868,6 +3882,455 @@
 </p:sld>
 </file>
 
+<file path=ppt/slides/slide10.xml><?xml version="1.0" encoding="utf-8"?>
+<p:sld xmlns:a="http://schemas.openxmlformats.org/drawingml/2006/main" xmlns:r="http://schemas.openxmlformats.org/officeDocument/2006/relationships" xmlns:p="http://schemas.openxmlformats.org/presentationml/2006/main">
+  <p:cSld>
+    <p:bg>
+      <p:bgPr>
+        <a:blipFill dpi="0" rotWithShape="1">
+          <a:blip r:embed="rId3">
+            <a:alphaModFix amt="18000"/>
+            <a:duotone>
+              <a:prstClr val="black"/>
+              <a:schemeClr val="accent2">
+                <a:tint val="45000"/>
+                <a:satMod val="400000"/>
+              </a:schemeClr>
+            </a:duotone>
+            <a:lum/>
+            <a:extLst>
+              <a:ext uri="{BEBA8EAE-BF5A-486C-A8C5-ECC9F3942E4B}">
+                <a14:imgProps xmlns:a14="http://schemas.microsoft.com/office/drawing/2010/main">
+                  <a14:imgLayer r:embed="rId4">
+                    <a14:imgEffect>
+                      <a14:colorTemperature colorTemp="8250"/>
+                    </a14:imgEffect>
+                    <a14:imgEffect>
+                      <a14:saturation sat="115000"/>
+                    </a14:imgEffect>
+                    <a14:imgEffect>
+                      <a14:brightnessContrast bright="100000" contrast="1000"/>
+                    </a14:imgEffect>
+                  </a14:imgLayer>
+                </a14:imgProps>
+              </a:ext>
+            </a:extLst>
+          </a:blip>
+          <a:srcRect/>
+          <a:stretch>
+            <a:fillRect/>
+          </a:stretch>
+        </a:blipFill>
+        <a:effectLst/>
+      </p:bgPr>
+    </p:bg>
+    <p:spTree>
+      <p:nvGrpSpPr>
+        <p:cNvPr id="1" name=""/>
+        <p:cNvGrpSpPr/>
+        <p:nvPr/>
+      </p:nvGrpSpPr>
+      <p:grpSpPr>
+        <a:xfrm>
+          <a:off x="0" y="0"/>
+          <a:ext cx="0" cy="0"/>
+          <a:chOff x="0" y="0"/>
+          <a:chExt cx="0" cy="0"/>
+        </a:xfrm>
+      </p:grpSpPr>
+      <p:sp>
+        <p:nvSpPr>
+          <p:cNvPr id="4" name="TextBox 3"/>
+          <p:cNvSpPr txBox="1"/>
+          <p:nvPr/>
+        </p:nvSpPr>
+        <p:spPr>
+          <a:xfrm>
+            <a:off x="251520" y="190959"/>
+            <a:ext cx="8640960" cy="830997"/>
+          </a:xfrm>
+          <a:prstGeom prst="rect">
+            <a:avLst/>
+          </a:prstGeom>
+          <a:noFill/>
+        </p:spPr>
+        <p:txBody>
+          <a:bodyPr wrap="square" rtlCol="0" anchor="ctr">
+            <a:spAutoFit/>
+          </a:bodyPr>
+          <a:lstStyle/>
+          <a:p>
+            <a:r>
+              <a:rPr lang="ru-RU" sz="4800" dirty="0" smtClean="0">
+                <a:solidFill>
+                  <a:schemeClr val="tx2">
+                    <a:lumMod val="25000"/>
+                  </a:schemeClr>
+                </a:solidFill>
+                <a:effectLst>
+                  <a:outerShdw blurRad="38100" dist="38100" dir="2700000" algn="tl">
+                    <a:srgbClr val="000000">
+                      <a:alpha val="43137"/>
+                    </a:srgbClr>
+                  </a:outerShdw>
+                </a:effectLst>
+                <a:latin typeface="Calibri" pitchFamily="34" charset="0"/>
+                <a:cs typeface="Calibri" pitchFamily="34" charset="0"/>
+              </a:rPr>
+              <a:t>Внешний вид веб-приложения</a:t>
+            </a:r>
+            <a:endParaRPr lang="ru-RU" sz="4800" dirty="0">
+              <a:solidFill>
+                <a:schemeClr val="tx2">
+                  <a:lumMod val="25000"/>
+                </a:schemeClr>
+              </a:solidFill>
+              <a:effectLst>
+                <a:outerShdw blurRad="38100" dist="38100" dir="2700000" algn="tl">
+                  <a:srgbClr val="000000">
+                    <a:alpha val="43137"/>
+                  </a:srgbClr>
+                </a:outerShdw>
+              </a:effectLst>
+              <a:latin typeface="Calibri" pitchFamily="34" charset="0"/>
+              <a:cs typeface="Calibri" pitchFamily="34" charset="0"/>
+            </a:endParaRPr>
+          </a:p>
+        </p:txBody>
+      </p:sp>
+      <p:sp>
+        <p:nvSpPr>
+          <p:cNvPr id="5" name="TextBox 4"/>
+          <p:cNvSpPr txBox="1"/>
+          <p:nvPr/>
+        </p:nvSpPr>
+        <p:spPr>
+          <a:xfrm>
+            <a:off x="251520" y="1145066"/>
+            <a:ext cx="8892480" cy="2062103"/>
+          </a:xfrm>
+          <a:prstGeom prst="rect">
+            <a:avLst/>
+          </a:prstGeom>
+          <a:noFill/>
+        </p:spPr>
+        <p:txBody>
+          <a:bodyPr wrap="square" numCol="2" rtlCol="0" anchor="ctr">
+            <a:spAutoFit/>
+          </a:bodyPr>
+          <a:lstStyle/>
+          <a:p>
+            <a:pPr marL="742950" indent="-742950">
+              <a:buAutoNum type="arabicPeriod"/>
+            </a:pPr>
+            <a:r>
+              <a:rPr lang="ru-RU" sz="3200" dirty="0" smtClean="0">
+                <a:solidFill>
+                  <a:schemeClr val="tx2">
+                    <a:lumMod val="25000"/>
+                  </a:schemeClr>
+                </a:solidFill>
+                <a:effectLst>
+                  <a:outerShdw blurRad="38100" dist="38100" dir="2700000" algn="tl">
+                    <a:srgbClr val="000000">
+                      <a:alpha val="43137"/>
+                    </a:srgbClr>
+                  </a:outerShdw>
+                </a:effectLst>
+                <a:latin typeface="Calibri" pitchFamily="34" charset="0"/>
+                <a:cs typeface="Calibri" pitchFamily="34" charset="0"/>
+              </a:rPr>
+              <a:t>Шаблонизатор</a:t>
+            </a:r>
+          </a:p>
+          <a:p>
+            <a:pPr marL="742950" indent="-742950">
+              <a:buAutoNum type="arabicPeriod"/>
+            </a:pPr>
+            <a:r>
+              <a:rPr lang="ru-RU" sz="3200" dirty="0" smtClean="0">
+                <a:solidFill>
+                  <a:schemeClr val="tx2">
+                    <a:lumMod val="25000"/>
+                  </a:schemeClr>
+                </a:solidFill>
+                <a:effectLst>
+                  <a:outerShdw blurRad="38100" dist="38100" dir="2700000" algn="tl">
+                    <a:srgbClr val="000000">
+                      <a:alpha val="43137"/>
+                    </a:srgbClr>
+                  </a:outerShdw>
+                </a:effectLst>
+                <a:latin typeface="Calibri" pitchFamily="34" charset="0"/>
+                <a:cs typeface="Calibri" pitchFamily="34" charset="0"/>
+              </a:rPr>
+              <a:t>Шаблоны</a:t>
+            </a:r>
+          </a:p>
+          <a:p>
+            <a:pPr marL="742950" indent="-742950">
+              <a:buAutoNum type="arabicPeriod"/>
+            </a:pPr>
+            <a:endParaRPr lang="ru-RU" sz="3200" dirty="0">
+              <a:solidFill>
+                <a:schemeClr val="tx2">
+                  <a:lumMod val="25000"/>
+                </a:schemeClr>
+              </a:solidFill>
+              <a:effectLst>
+                <a:outerShdw blurRad="38100" dist="38100" dir="2700000" algn="tl">
+                  <a:srgbClr val="000000">
+                    <a:alpha val="43137"/>
+                  </a:srgbClr>
+                </a:outerShdw>
+              </a:effectLst>
+              <a:latin typeface="Calibri" pitchFamily="34" charset="0"/>
+              <a:cs typeface="Calibri" pitchFamily="34" charset="0"/>
+            </a:endParaRPr>
+          </a:p>
+          <a:p>
+            <a:pPr marL="742950" indent="-742950">
+              <a:buAutoNum type="arabicPeriod"/>
+            </a:pPr>
+            <a:endParaRPr lang="ru-RU" sz="3200" dirty="0" smtClean="0">
+              <a:solidFill>
+                <a:schemeClr val="tx2">
+                  <a:lumMod val="25000"/>
+                </a:schemeClr>
+              </a:solidFill>
+              <a:effectLst>
+                <a:outerShdw blurRad="38100" dist="38100" dir="2700000" algn="tl">
+                  <a:srgbClr val="000000">
+                    <a:alpha val="43137"/>
+                  </a:srgbClr>
+                </a:outerShdw>
+              </a:effectLst>
+              <a:latin typeface="Calibri" pitchFamily="34" charset="0"/>
+              <a:cs typeface="Calibri" pitchFamily="34" charset="0"/>
+            </a:endParaRPr>
+          </a:p>
+          <a:p>
+            <a:pPr marL="742950" indent="-742950">
+              <a:buAutoNum type="arabicPeriod"/>
+            </a:pPr>
+            <a:r>
+              <a:rPr lang="ru-RU" sz="3200" dirty="0" smtClean="0">
+                <a:solidFill>
+                  <a:schemeClr val="tx2">
+                    <a:lumMod val="25000"/>
+                  </a:schemeClr>
+                </a:solidFill>
+                <a:effectLst>
+                  <a:outerShdw blurRad="38100" dist="38100" dir="2700000" algn="tl">
+                    <a:srgbClr val="000000">
+                      <a:alpha val="43137"/>
+                    </a:srgbClr>
+                  </a:outerShdw>
+                </a:effectLst>
+                <a:latin typeface="Calibri" pitchFamily="34" charset="0"/>
+                <a:cs typeface="Calibri" pitchFamily="34" charset="0"/>
+              </a:rPr>
+              <a:t>Стили</a:t>
+            </a:r>
+          </a:p>
+          <a:p>
+            <a:pPr marL="742950" indent="-742950">
+              <a:buAutoNum type="arabicPeriod"/>
+            </a:pPr>
+            <a:r>
+              <a:rPr lang="ru-RU" sz="3200" dirty="0" smtClean="0">
+                <a:solidFill>
+                  <a:schemeClr val="tx2">
+                    <a:lumMod val="25000"/>
+                  </a:schemeClr>
+                </a:solidFill>
+                <a:effectLst>
+                  <a:outerShdw blurRad="38100" dist="38100" dir="2700000" algn="tl">
+                    <a:srgbClr val="000000">
+                      <a:alpha val="43137"/>
+                    </a:srgbClr>
+                  </a:outerShdw>
+                </a:effectLst>
+                <a:latin typeface="Calibri" pitchFamily="34" charset="0"/>
+                <a:cs typeface="Calibri" pitchFamily="34" charset="0"/>
+              </a:rPr>
+              <a:t>Клиентские скрипты</a:t>
+            </a:r>
+            <a:endParaRPr lang="ru-RU" sz="3200" dirty="0">
+              <a:solidFill>
+                <a:schemeClr val="tx2">
+                  <a:lumMod val="25000"/>
+                </a:schemeClr>
+              </a:solidFill>
+              <a:effectLst>
+                <a:outerShdw blurRad="38100" dist="38100" dir="2700000" algn="tl">
+                  <a:srgbClr val="000000">
+                    <a:alpha val="43137"/>
+                  </a:srgbClr>
+                </a:outerShdw>
+              </a:effectLst>
+              <a:latin typeface="Calibri" pitchFamily="34" charset="0"/>
+              <a:cs typeface="Calibri" pitchFamily="34" charset="0"/>
+            </a:endParaRPr>
+          </a:p>
+        </p:txBody>
+      </p:sp>
+      <p:graphicFrame>
+        <p:nvGraphicFramePr>
+          <p:cNvPr id="6" name="Объект 5"/>
+          <p:cNvGraphicFramePr>
+            <a:graphicFrameLocks noChangeAspect="1"/>
+          </p:cNvGraphicFramePr>
+          <p:nvPr>
+            <p:extLst>
+              <p:ext uri="{D42A27DB-BD31-4B8C-83A1-F6EECF244321}">
+                <p14:modId xmlns:p14="http://schemas.microsoft.com/office/powerpoint/2010/main" val="3675112332"/>
+              </p:ext>
+            </p:extLst>
+          </p:nvPr>
+        </p:nvGraphicFramePr>
+        <p:xfrm>
+          <a:off x="318294" y="2343869"/>
+          <a:ext cx="8507412" cy="4181475"/>
+        </p:xfrm>
+        <a:graphic>
+          <a:graphicData uri="http://schemas.openxmlformats.org/presentationml/2006/ole">
+            <mc:AlternateContent xmlns:mc="http://schemas.openxmlformats.org/markup-compatibility/2006">
+              <mc:Choice xmlns:v="urn:schemas-microsoft-com:vml" Requires="v">
+                <p:oleObj spid="_x0000_s7173" name="Visio" r:id="rId5" imgW="8507567" imgH="4181220" progId="Visio.Drawing.11">
+                  <p:embed/>
+                </p:oleObj>
+              </mc:Choice>
+              <mc:Fallback>
+                <p:oleObj name="Visio" r:id="rId5" imgW="8507567" imgH="4181220" progId="Visio.Drawing.11">
+                  <p:embed/>
+                  <p:pic>
+                    <p:nvPicPr>
+                      <p:cNvPr id="0" name=""/>
+                      <p:cNvPicPr/>
+                      <p:nvPr/>
+                    </p:nvPicPr>
+                    <p:blipFill>
+                      <a:blip r:embed="rId6"/>
+                      <a:stretch>
+                        <a:fillRect/>
+                      </a:stretch>
+                    </p:blipFill>
+                    <p:spPr>
+                      <a:xfrm>
+                        <a:off x="318294" y="2343869"/>
+                        <a:ext cx="8507412" cy="4181475"/>
+                      </a:xfrm>
+                      <a:prstGeom prst="rect">
+                        <a:avLst/>
+                      </a:prstGeom>
+                    </p:spPr>
+                  </p:pic>
+                </p:oleObj>
+              </mc:Fallback>
+            </mc:AlternateContent>
+          </a:graphicData>
+        </a:graphic>
+      </p:graphicFrame>
+    </p:spTree>
+    <p:extLst>
+      <p:ext uri="{BB962C8B-B14F-4D97-AF65-F5344CB8AC3E}">
+        <p14:creationId xmlns:p14="http://schemas.microsoft.com/office/powerpoint/2010/main" val="2767969894"/>
+      </p:ext>
+    </p:extLst>
+  </p:cSld>
+  <p:clrMapOvr>
+    <a:masterClrMapping/>
+  </p:clrMapOvr>
+  <p:timing>
+    <p:tnLst>
+      <p:par>
+        <p:cTn id="1" dur="indefinite" restart="never" nodeType="tmRoot">
+          <p:childTnLst>
+            <p:seq concurrent="1" nextAc="seek">
+              <p:cTn id="2" dur="indefinite" nodeType="mainSeq">
+                <p:childTnLst>
+                  <p:par>
+                    <p:cTn id="3" fill="hold">
+                      <p:stCondLst>
+                        <p:cond delay="indefinite"/>
+                      </p:stCondLst>
+                      <p:childTnLst>
+                        <p:par>
+                          <p:cTn id="4" fill="hold">
+                            <p:stCondLst>
+                              <p:cond delay="0"/>
+                            </p:stCondLst>
+                            <p:childTnLst>
+                              <p:par>
+                                <p:cTn id="5" presetID="10" presetClass="entr" presetSubtype="0" fill="hold" grpId="0" nodeType="clickEffect">
+                                  <p:stCondLst>
+                                    <p:cond delay="0"/>
+                                  </p:stCondLst>
+                                  <p:childTnLst>
+                                    <p:set>
+                                      <p:cBhvr>
+                                        <p:cTn id="6" dur="1" fill="hold">
+                                          <p:stCondLst>
+                                            <p:cond delay="0"/>
+                                          </p:stCondLst>
+                                        </p:cTn>
+                                        <p:tgtEl>
+                                          <p:spTgt spid="5"/>
+                                        </p:tgtEl>
+                                        <p:attrNameLst>
+                                          <p:attrName>style.visibility</p:attrName>
+                                        </p:attrNameLst>
+                                      </p:cBhvr>
+                                      <p:to>
+                                        <p:strVal val="visible"/>
+                                      </p:to>
+                                    </p:set>
+                                    <p:animEffect transition="in" filter="fade">
+                                      <p:cBhvr>
+                                        <p:cTn id="7" dur="500"/>
+                                        <p:tgtEl>
+                                          <p:spTgt spid="5"/>
+                                        </p:tgtEl>
+                                      </p:cBhvr>
+                                    </p:animEffect>
+                                  </p:childTnLst>
+                                </p:cTn>
+                              </p:par>
+                            </p:childTnLst>
+                          </p:cTn>
+                        </p:par>
+                      </p:childTnLst>
+                    </p:cTn>
+                  </p:par>
+                </p:childTnLst>
+              </p:cTn>
+              <p:prevCondLst>
+                <p:cond evt="onPrev" delay="0">
+                  <p:tgtEl>
+                    <p:sldTgt/>
+                  </p:tgtEl>
+                </p:cond>
+              </p:prevCondLst>
+              <p:nextCondLst>
+                <p:cond evt="onNext" delay="0">
+                  <p:tgtEl>
+                    <p:sldTgt/>
+                  </p:tgtEl>
+                </p:cond>
+              </p:nextCondLst>
+            </p:seq>
+          </p:childTnLst>
+        </p:cTn>
+      </p:par>
+    </p:tnLst>
+    <p:bldLst>
+      <p:bldP spid="5" grpId="0"/>
+    </p:bldLst>
+  </p:timing>
+</p:sld>
+</file>
+
 <file path=ppt/slides/slide2.xml><?xml version="1.0" encoding="utf-8"?>
 <p:sld xmlns:a="http://schemas.openxmlformats.org/drawingml/2006/main" xmlns:r="http://schemas.openxmlformats.org/officeDocument/2006/relationships" xmlns:p="http://schemas.openxmlformats.org/presentationml/2006/main">
   <p:cSld>
@@ -4141,6 +4604,492 @@
     </p:spTree>
     <p:extLst>
       <p:ext uri="{BB962C8B-B14F-4D97-AF65-F5344CB8AC3E}">
+        <p14:creationId xmlns:p14="http://schemas.microsoft.com/office/powerpoint/2010/main" val="1193869884"/>
+      </p:ext>
+    </p:extLst>
+  </p:cSld>
+  <p:clrMapOvr>
+    <a:masterClrMapping/>
+  </p:clrMapOvr>
+  <p:timing>
+    <p:tnLst>
+      <p:par>
+        <p:cTn id="1" dur="indefinite" restart="never" nodeType="tmRoot"/>
+      </p:par>
+    </p:tnLst>
+  </p:timing>
+</p:sld>
+</file>
+
+<file path=ppt/slides/slide3.xml><?xml version="1.0" encoding="utf-8"?>
+<p:sld xmlns:a="http://schemas.openxmlformats.org/drawingml/2006/main" xmlns:r="http://schemas.openxmlformats.org/officeDocument/2006/relationships" xmlns:p="http://schemas.openxmlformats.org/presentationml/2006/main">
+  <p:cSld>
+    <p:bg>
+      <p:bgPr>
+        <a:blipFill dpi="0" rotWithShape="1">
+          <a:blip r:embed="rId2">
+            <a:alphaModFix amt="18000"/>
+            <a:duotone>
+              <a:prstClr val="black"/>
+              <a:schemeClr val="accent2">
+                <a:tint val="45000"/>
+                <a:satMod val="400000"/>
+              </a:schemeClr>
+            </a:duotone>
+            <a:lum/>
+            <a:extLst>
+              <a:ext uri="{BEBA8EAE-BF5A-486C-A8C5-ECC9F3942E4B}">
+                <a14:imgProps xmlns:a14="http://schemas.microsoft.com/office/drawing/2010/main">
+                  <a14:imgLayer r:embed="rId3">
+                    <a14:imgEffect>
+                      <a14:colorTemperature colorTemp="8250"/>
+                    </a14:imgEffect>
+                    <a14:imgEffect>
+                      <a14:saturation sat="115000"/>
+                    </a14:imgEffect>
+                    <a14:imgEffect>
+                      <a14:brightnessContrast bright="100000" contrast="1000"/>
+                    </a14:imgEffect>
+                  </a14:imgLayer>
+                </a14:imgProps>
+              </a:ext>
+            </a:extLst>
+          </a:blip>
+          <a:srcRect/>
+          <a:stretch>
+            <a:fillRect/>
+          </a:stretch>
+        </a:blipFill>
+        <a:effectLst/>
+      </p:bgPr>
+    </p:bg>
+    <p:spTree>
+      <p:nvGrpSpPr>
+        <p:cNvPr id="1" name=""/>
+        <p:cNvGrpSpPr/>
+        <p:nvPr/>
+      </p:nvGrpSpPr>
+      <p:grpSpPr>
+        <a:xfrm>
+          <a:off x="0" y="0"/>
+          <a:ext cx="0" cy="0"/>
+          <a:chOff x="0" y="0"/>
+          <a:chExt cx="0" cy="0"/>
+        </a:xfrm>
+      </p:grpSpPr>
+      <p:sp>
+        <p:nvSpPr>
+          <p:cNvPr id="4" name="TextBox 3"/>
+          <p:cNvSpPr txBox="1"/>
+          <p:nvPr/>
+        </p:nvSpPr>
+        <p:spPr>
+          <a:xfrm>
+            <a:off x="431540" y="500896"/>
+            <a:ext cx="8280920" cy="830997"/>
+          </a:xfrm>
+          <a:prstGeom prst="rect">
+            <a:avLst/>
+          </a:prstGeom>
+          <a:noFill/>
+        </p:spPr>
+        <p:txBody>
+          <a:bodyPr wrap="square" rtlCol="0" anchor="ctr">
+            <a:spAutoFit/>
+          </a:bodyPr>
+          <a:lstStyle/>
+          <a:p>
+            <a:r>
+              <a:rPr lang="ru-RU" sz="4800" dirty="0" smtClean="0">
+                <a:solidFill>
+                  <a:schemeClr val="tx2">
+                    <a:lumMod val="25000"/>
+                  </a:schemeClr>
+                </a:solidFill>
+                <a:effectLst>
+                  <a:outerShdw blurRad="38100" dist="38100" dir="2700000" algn="tl">
+                    <a:srgbClr val="000000">
+                      <a:alpha val="43137"/>
+                    </a:srgbClr>
+                  </a:outerShdw>
+                </a:effectLst>
+                <a:latin typeface="Calibri" pitchFamily="34" charset="0"/>
+                <a:cs typeface="Calibri" pitchFamily="34" charset="0"/>
+              </a:rPr>
+              <a:t>Основные признаки форума</a:t>
+            </a:r>
+            <a:r>
+              <a:rPr lang="en-US" sz="4800" dirty="0" smtClean="0">
+                <a:solidFill>
+                  <a:schemeClr val="tx2">
+                    <a:lumMod val="25000"/>
+                  </a:schemeClr>
+                </a:solidFill>
+                <a:effectLst>
+                  <a:outerShdw blurRad="38100" dist="38100" dir="2700000" algn="tl">
+                    <a:srgbClr val="000000">
+                      <a:alpha val="43137"/>
+                    </a:srgbClr>
+                  </a:outerShdw>
+                </a:effectLst>
+                <a:latin typeface="Calibri" pitchFamily="34" charset="0"/>
+                <a:cs typeface="Calibri" pitchFamily="34" charset="0"/>
+              </a:rPr>
+              <a:t>:</a:t>
+            </a:r>
+            <a:endParaRPr lang="ru-RU" sz="4800" dirty="0">
+              <a:solidFill>
+                <a:schemeClr val="tx2">
+                  <a:lumMod val="25000"/>
+                </a:schemeClr>
+              </a:solidFill>
+              <a:effectLst>
+                <a:outerShdw blurRad="38100" dist="38100" dir="2700000" algn="tl">
+                  <a:srgbClr val="000000">
+                    <a:alpha val="43137"/>
+                  </a:srgbClr>
+                </a:outerShdw>
+              </a:effectLst>
+              <a:latin typeface="Calibri" pitchFamily="34" charset="0"/>
+              <a:cs typeface="Calibri" pitchFamily="34" charset="0"/>
+            </a:endParaRPr>
+          </a:p>
+        </p:txBody>
+      </p:sp>
+      <p:sp>
+        <p:nvSpPr>
+          <p:cNvPr id="3" name="TextBox 2"/>
+          <p:cNvSpPr txBox="1"/>
+          <p:nvPr/>
+        </p:nvSpPr>
+        <p:spPr>
+          <a:xfrm>
+            <a:off x="53752" y="1832789"/>
+            <a:ext cx="9036496" cy="4524315"/>
+          </a:xfrm>
+          <a:prstGeom prst="rect">
+            <a:avLst/>
+          </a:prstGeom>
+          <a:noFill/>
+        </p:spPr>
+        <p:txBody>
+          <a:bodyPr wrap="square" rtlCol="0" anchor="ctr">
+            <a:spAutoFit/>
+          </a:bodyPr>
+          <a:lstStyle/>
+          <a:p>
+            <a:pPr marL="571500" indent="-571500">
+              <a:lnSpc>
+                <a:spcPct val="150000"/>
+              </a:lnSpc>
+              <a:buFontTx/>
+              <a:buChar char="-"/>
+            </a:pPr>
+            <a:r>
+              <a:rPr lang="ru-RU" sz="3200" dirty="0" smtClean="0">
+                <a:solidFill>
+                  <a:schemeClr val="tx2">
+                    <a:lumMod val="25000"/>
+                  </a:schemeClr>
+                </a:solidFill>
+                <a:effectLst>
+                  <a:outerShdw blurRad="38100" dist="38100" dir="2700000" algn="tl">
+                    <a:srgbClr val="000000">
+                      <a:alpha val="43137"/>
+                    </a:srgbClr>
+                  </a:outerShdw>
+                </a:effectLst>
+                <a:latin typeface="Calibri" pitchFamily="34" charset="0"/>
+                <a:cs typeface="Calibri" pitchFamily="34" charset="0"/>
+              </a:rPr>
+              <a:t>иерархия: категории </a:t>
+            </a:r>
+            <a:r>
+              <a:rPr lang="en-US" sz="3200" dirty="0" smtClean="0">
+                <a:solidFill>
+                  <a:schemeClr val="tx2">
+                    <a:lumMod val="25000"/>
+                  </a:schemeClr>
+                </a:solidFill>
+                <a:effectLst>
+                  <a:outerShdw blurRad="38100" dist="38100" dir="2700000" algn="tl">
+                    <a:srgbClr val="000000">
+                      <a:alpha val="43137"/>
+                    </a:srgbClr>
+                  </a:outerShdw>
+                </a:effectLst>
+                <a:latin typeface="Calibri" pitchFamily="34" charset="0"/>
+                <a:cs typeface="Calibri" pitchFamily="34" charset="0"/>
+              </a:rPr>
+              <a:t>&gt; </a:t>
+            </a:r>
+            <a:r>
+              <a:rPr lang="ru-RU" sz="3200" dirty="0" smtClean="0">
+                <a:solidFill>
+                  <a:schemeClr val="tx2">
+                    <a:lumMod val="25000"/>
+                  </a:schemeClr>
+                </a:solidFill>
+                <a:effectLst>
+                  <a:outerShdw blurRad="38100" dist="38100" dir="2700000" algn="tl">
+                    <a:srgbClr val="000000">
+                      <a:alpha val="43137"/>
+                    </a:srgbClr>
+                  </a:outerShdw>
+                </a:effectLst>
+                <a:latin typeface="Calibri" pitchFamily="34" charset="0"/>
+                <a:cs typeface="Calibri" pitchFamily="34" charset="0"/>
+              </a:rPr>
+              <a:t>темы </a:t>
+            </a:r>
+            <a:r>
+              <a:rPr lang="en-US" sz="3200" dirty="0" smtClean="0">
+                <a:solidFill>
+                  <a:schemeClr val="tx2">
+                    <a:lumMod val="25000"/>
+                  </a:schemeClr>
+                </a:solidFill>
+                <a:effectLst>
+                  <a:outerShdw blurRad="38100" dist="38100" dir="2700000" algn="tl">
+                    <a:srgbClr val="000000">
+                      <a:alpha val="43137"/>
+                    </a:srgbClr>
+                  </a:outerShdw>
+                </a:effectLst>
+                <a:latin typeface="Calibri" pitchFamily="34" charset="0"/>
+                <a:cs typeface="Calibri" pitchFamily="34" charset="0"/>
+              </a:rPr>
+              <a:t>&gt; </a:t>
+            </a:r>
+            <a:r>
+              <a:rPr lang="ru-RU" sz="3200" dirty="0" smtClean="0">
+                <a:solidFill>
+                  <a:schemeClr val="tx2">
+                    <a:lumMod val="25000"/>
+                  </a:schemeClr>
+                </a:solidFill>
+                <a:effectLst>
+                  <a:outerShdw blurRad="38100" dist="38100" dir="2700000" algn="tl">
+                    <a:srgbClr val="000000">
+                      <a:alpha val="43137"/>
+                    </a:srgbClr>
+                  </a:outerShdw>
+                </a:effectLst>
+                <a:latin typeface="Calibri" pitchFamily="34" charset="0"/>
+                <a:cs typeface="Calibri" pitchFamily="34" charset="0"/>
+              </a:rPr>
+              <a:t>сообщения</a:t>
+            </a:r>
+            <a:endParaRPr lang="ru-RU" sz="3200" dirty="0" smtClean="0">
+              <a:solidFill>
+                <a:schemeClr val="tx2">
+                  <a:lumMod val="25000"/>
+                </a:schemeClr>
+              </a:solidFill>
+              <a:effectLst>
+                <a:outerShdw blurRad="38100" dist="38100" dir="2700000" algn="tl">
+                  <a:srgbClr val="000000">
+                    <a:alpha val="43137"/>
+                  </a:srgbClr>
+                </a:outerShdw>
+              </a:effectLst>
+              <a:latin typeface="Calibri" pitchFamily="34" charset="0"/>
+              <a:cs typeface="Calibri" pitchFamily="34" charset="0"/>
+            </a:endParaRPr>
+          </a:p>
+          <a:p>
+            <a:pPr marL="571500" indent="-571500">
+              <a:lnSpc>
+                <a:spcPct val="150000"/>
+              </a:lnSpc>
+              <a:buFontTx/>
+              <a:buChar char="-"/>
+            </a:pPr>
+            <a:r>
+              <a:rPr lang="ru-RU" sz="3200" dirty="0" smtClean="0">
+                <a:solidFill>
+                  <a:schemeClr val="tx2">
+                    <a:lumMod val="25000"/>
+                  </a:schemeClr>
+                </a:solidFill>
+                <a:effectLst>
+                  <a:outerShdw blurRad="38100" dist="38100" dir="2700000" algn="tl">
+                    <a:srgbClr val="000000">
+                      <a:alpha val="43137"/>
+                    </a:srgbClr>
+                  </a:outerShdw>
+                </a:effectLst>
+                <a:latin typeface="Calibri" pitchFamily="34" charset="0"/>
+                <a:cs typeface="Calibri" pitchFamily="34" charset="0"/>
+              </a:rPr>
+              <a:t>информация: тема, содержание, автор, время</a:t>
+            </a:r>
+            <a:endParaRPr lang="ru-RU" sz="3200" dirty="0" smtClean="0">
+              <a:solidFill>
+                <a:schemeClr val="tx2">
+                  <a:lumMod val="25000"/>
+                </a:schemeClr>
+              </a:solidFill>
+              <a:effectLst>
+                <a:outerShdw blurRad="38100" dist="38100" dir="2700000" algn="tl">
+                  <a:srgbClr val="000000">
+                    <a:alpha val="43137"/>
+                  </a:srgbClr>
+                </a:outerShdw>
+              </a:effectLst>
+              <a:latin typeface="Calibri" pitchFamily="34" charset="0"/>
+              <a:cs typeface="Calibri" pitchFamily="34" charset="0"/>
+            </a:endParaRPr>
+          </a:p>
+          <a:p>
+            <a:pPr marL="571500" indent="-571500">
+              <a:lnSpc>
+                <a:spcPct val="150000"/>
+              </a:lnSpc>
+              <a:buFontTx/>
+              <a:buChar char="-"/>
+            </a:pPr>
+            <a:r>
+              <a:rPr lang="ru-RU" sz="3200" dirty="0" smtClean="0">
+                <a:solidFill>
+                  <a:schemeClr val="tx2">
+                    <a:lumMod val="25000"/>
+                  </a:schemeClr>
+                </a:solidFill>
+                <a:effectLst>
+                  <a:outerShdw blurRad="38100" dist="38100" dir="2700000" algn="tl">
+                    <a:srgbClr val="000000">
+                      <a:alpha val="43137"/>
+                    </a:srgbClr>
+                  </a:outerShdw>
+                </a:effectLst>
+                <a:latin typeface="Calibri" pitchFamily="34" charset="0"/>
+                <a:cs typeface="Calibri" pitchFamily="34" charset="0"/>
+              </a:rPr>
+              <a:t>механизмы обеспечения порядка в дискуссиях</a:t>
+            </a:r>
+            <a:endParaRPr lang="ru-RU" sz="3200" dirty="0" smtClean="0">
+              <a:solidFill>
+                <a:schemeClr val="tx2">
+                  <a:lumMod val="25000"/>
+                </a:schemeClr>
+              </a:solidFill>
+              <a:effectLst>
+                <a:outerShdw blurRad="38100" dist="38100" dir="2700000" algn="tl">
+                  <a:srgbClr val="000000">
+                    <a:alpha val="43137"/>
+                  </a:srgbClr>
+                </a:outerShdw>
+              </a:effectLst>
+              <a:latin typeface="Calibri" pitchFamily="34" charset="0"/>
+              <a:cs typeface="Calibri" pitchFamily="34" charset="0"/>
+            </a:endParaRPr>
+          </a:p>
+          <a:p>
+            <a:pPr marL="571500" indent="-571500">
+              <a:lnSpc>
+                <a:spcPct val="150000"/>
+              </a:lnSpc>
+              <a:buFontTx/>
+              <a:buChar char="-"/>
+            </a:pPr>
+            <a:r>
+              <a:rPr lang="ru-RU" sz="3200" dirty="0" smtClean="0">
+                <a:solidFill>
+                  <a:schemeClr val="tx2">
+                    <a:lumMod val="25000"/>
+                  </a:schemeClr>
+                </a:solidFill>
+                <a:effectLst>
+                  <a:outerShdw blurRad="38100" dist="38100" dir="2700000" algn="tl">
+                    <a:srgbClr val="000000">
+                      <a:alpha val="43137"/>
+                    </a:srgbClr>
+                  </a:outerShdw>
+                </a:effectLst>
+                <a:latin typeface="Calibri" pitchFamily="34" charset="0"/>
+                <a:cs typeface="Calibri" pitchFamily="34" charset="0"/>
+              </a:rPr>
+              <a:t>разделение прав доступа</a:t>
+            </a:r>
+          </a:p>
+          <a:p>
+            <a:pPr marL="571500" indent="-571500">
+              <a:lnSpc>
+                <a:spcPct val="150000"/>
+              </a:lnSpc>
+              <a:buFontTx/>
+              <a:buChar char="-"/>
+            </a:pPr>
+            <a:r>
+              <a:rPr lang="ru-RU" sz="3200" dirty="0" smtClean="0">
+                <a:solidFill>
+                  <a:schemeClr val="tx2">
+                    <a:lumMod val="25000"/>
+                  </a:schemeClr>
+                </a:solidFill>
+                <a:effectLst>
+                  <a:outerShdw blurRad="38100" dist="38100" dir="2700000" algn="tl">
+                    <a:srgbClr val="000000">
+                      <a:alpha val="43137"/>
+                    </a:srgbClr>
+                  </a:outerShdw>
+                </a:effectLst>
+                <a:latin typeface="Calibri" pitchFamily="34" charset="0"/>
+                <a:cs typeface="Calibri" pitchFamily="34" charset="0"/>
+              </a:rPr>
+              <a:t>возможность идентификации пользователя</a:t>
+            </a:r>
+          </a:p>
+          <a:p>
+            <a:pPr marL="571500" indent="-571500">
+              <a:lnSpc>
+                <a:spcPct val="150000"/>
+              </a:lnSpc>
+              <a:buFontTx/>
+              <a:buChar char="-"/>
+            </a:pPr>
+            <a:r>
+              <a:rPr lang="ru-RU" sz="3200" dirty="0" smtClean="0">
+                <a:solidFill>
+                  <a:schemeClr val="tx2">
+                    <a:lumMod val="25000"/>
+                  </a:schemeClr>
+                </a:solidFill>
+                <a:effectLst>
+                  <a:outerShdw blurRad="38100" dist="38100" dir="2700000" algn="tl">
+                    <a:srgbClr val="000000">
+                      <a:alpha val="43137"/>
+                    </a:srgbClr>
+                  </a:outerShdw>
+                </a:effectLst>
+                <a:latin typeface="Calibri" pitchFamily="34" charset="0"/>
+                <a:cs typeface="Calibri" pitchFamily="34" charset="0"/>
+              </a:rPr>
+              <a:t>отсутствие динамики «реального времени»</a:t>
+            </a:r>
+            <a:endParaRPr lang="ru-RU" sz="3200" dirty="0" smtClean="0">
+              <a:solidFill>
+                <a:schemeClr val="tx2">
+                  <a:lumMod val="25000"/>
+                </a:schemeClr>
+              </a:solidFill>
+              <a:effectLst>
+                <a:outerShdw blurRad="38100" dist="38100" dir="2700000" algn="tl">
+                  <a:srgbClr val="000000">
+                    <a:alpha val="43137"/>
+                  </a:srgbClr>
+                </a:outerShdw>
+              </a:effectLst>
+              <a:latin typeface="Calibri" pitchFamily="34" charset="0"/>
+              <a:cs typeface="Calibri" pitchFamily="34" charset="0"/>
+            </a:endParaRPr>
+          </a:p>
+        </p:txBody>
+      </p:sp>
+    </p:spTree>
+    <p:extLst>
+      <p:ext uri="{BB962C8B-B14F-4D97-AF65-F5344CB8AC3E}">
         <p14:creationId xmlns:p14="http://schemas.microsoft.com/office/powerpoint/2010/main" val="2649868190"/>
       </p:ext>
     </p:extLst>
@@ -4158,7 +5107,7 @@
 </p:sld>
 </file>
 
-<file path=ppt/slides/slide3.xml><?xml version="1.0" encoding="utf-8"?>
+<file path=ppt/slides/slide4.xml><?xml version="1.0" encoding="utf-8"?>
 <p:sld xmlns:a="http://schemas.openxmlformats.org/drawingml/2006/main" xmlns:r="http://schemas.openxmlformats.org/officeDocument/2006/relationships" xmlns:p="http://schemas.openxmlformats.org/presentationml/2006/main">
   <p:cSld>
     <p:bg>
@@ -4543,7 +5492,7 @@
           <a:graphicData uri="http://schemas.openxmlformats.org/presentationml/2006/ole">
             <mc:AlternateContent xmlns:mc="http://schemas.openxmlformats.org/markup-compatibility/2006">
               <mc:Choice xmlns:v="urn:schemas-microsoft-com:vml" Requires="v">
-                <p:oleObj spid="_x0000_s1051" name="Visio" r:id="rId5" imgW="3846693" imgH="4746600" progId="Visio.Drawing.11">
+                <p:oleObj spid="_x0000_s1062" name="Visio" r:id="rId5" imgW="3846693" imgH="4746600" progId="Visio.Drawing.11">
                   <p:embed/>
                 </p:oleObj>
               </mc:Choice>
@@ -4838,7 +5787,7 @@
 </p:sld>
 </file>
 
-<file path=ppt/slides/slide4.xml><?xml version="1.0" encoding="utf-8"?>
+<file path=ppt/slides/slide5.xml><?xml version="1.0" encoding="utf-8"?>
 <p:sld xmlns:a="http://schemas.openxmlformats.org/drawingml/2006/main" xmlns:r="http://schemas.openxmlformats.org/officeDocument/2006/relationships" xmlns:p="http://schemas.openxmlformats.org/presentationml/2006/main">
   <p:cSld>
     <p:bg>
@@ -4977,7 +5926,7 @@
           <a:graphicData uri="http://schemas.openxmlformats.org/presentationml/2006/ole">
             <mc:AlternateContent xmlns:mc="http://schemas.openxmlformats.org/markup-compatibility/2006">
               <mc:Choice xmlns:v="urn:schemas-microsoft-com:vml" Requires="v">
-                <p:oleObj spid="_x0000_s2068" name="Visio" r:id="rId5" imgW="4714900" imgH="3406320" progId="Visio.Drawing.11">
+                <p:oleObj spid="_x0000_s2090" name="Visio" r:id="rId5" imgW="4714900" imgH="3406320" progId="Visio.Drawing.11">
                   <p:embed/>
                 </p:oleObj>
               </mc:Choice>
@@ -5034,7 +5983,7 @@
           <a:graphicData uri="http://schemas.openxmlformats.org/presentationml/2006/ole">
             <mc:AlternateContent xmlns:mc="http://schemas.openxmlformats.org/markup-compatibility/2006">
               <mc:Choice xmlns:v="urn:schemas-microsoft-com:vml" Requires="v">
-                <p:oleObj spid="_x0000_s2069" name="Visio" r:id="rId7" imgW="3455000" imgH="3946320" progId="Visio.Drawing.11">
+                <p:oleObj spid="_x0000_s2091" name="Visio" r:id="rId7" imgW="3455000" imgH="3946320" progId="Visio.Drawing.11">
                   <p:embed/>
                 </p:oleObj>
               </mc:Choice>
@@ -5414,7 +6363,787 @@
 </p:sld>
 </file>
 
-<file path=ppt/slides/slide5.xml><?xml version="1.0" encoding="utf-8"?>
+<file path=ppt/slides/slide6.xml><?xml version="1.0" encoding="utf-8"?>
+<p:sld xmlns:a="http://schemas.openxmlformats.org/drawingml/2006/main" xmlns:r="http://schemas.openxmlformats.org/officeDocument/2006/relationships" xmlns:p="http://schemas.openxmlformats.org/presentationml/2006/main">
+  <p:cSld>
+    <p:bg>
+      <p:bgPr>
+        <a:blipFill dpi="0" rotWithShape="1">
+          <a:blip r:embed="rId3">
+            <a:alphaModFix amt="18000"/>
+            <a:duotone>
+              <a:prstClr val="black"/>
+              <a:schemeClr val="accent2">
+                <a:tint val="45000"/>
+                <a:satMod val="400000"/>
+              </a:schemeClr>
+            </a:duotone>
+            <a:lum/>
+            <a:extLst>
+              <a:ext uri="{BEBA8EAE-BF5A-486C-A8C5-ECC9F3942E4B}">
+                <a14:imgProps xmlns:a14="http://schemas.microsoft.com/office/drawing/2010/main">
+                  <a14:imgLayer r:embed="rId4">
+                    <a14:imgEffect>
+                      <a14:colorTemperature colorTemp="8250"/>
+                    </a14:imgEffect>
+                    <a14:imgEffect>
+                      <a14:saturation sat="115000"/>
+                    </a14:imgEffect>
+                    <a14:imgEffect>
+                      <a14:brightnessContrast bright="100000" contrast="1000"/>
+                    </a14:imgEffect>
+                  </a14:imgLayer>
+                </a14:imgProps>
+              </a:ext>
+            </a:extLst>
+          </a:blip>
+          <a:srcRect/>
+          <a:stretch>
+            <a:fillRect/>
+          </a:stretch>
+        </a:blipFill>
+        <a:effectLst/>
+      </p:bgPr>
+    </p:bg>
+    <p:spTree>
+      <p:nvGrpSpPr>
+        <p:cNvPr id="1" name=""/>
+        <p:cNvGrpSpPr/>
+        <p:nvPr/>
+      </p:nvGrpSpPr>
+      <p:grpSpPr>
+        <a:xfrm>
+          <a:off x="0" y="0"/>
+          <a:ext cx="0" cy="0"/>
+          <a:chOff x="0" y="0"/>
+          <a:chExt cx="0" cy="0"/>
+        </a:xfrm>
+      </p:grpSpPr>
+      <p:sp>
+        <p:nvSpPr>
+          <p:cNvPr id="4" name="TextBox 3"/>
+          <p:cNvSpPr txBox="1"/>
+          <p:nvPr/>
+        </p:nvSpPr>
+        <p:spPr>
+          <a:xfrm>
+            <a:off x="251520" y="190959"/>
+            <a:ext cx="8640960" cy="830997"/>
+          </a:xfrm>
+          <a:prstGeom prst="rect">
+            <a:avLst/>
+          </a:prstGeom>
+          <a:noFill/>
+        </p:spPr>
+        <p:txBody>
+          <a:bodyPr wrap="square" rtlCol="0" anchor="ctr">
+            <a:spAutoFit/>
+          </a:bodyPr>
+          <a:lstStyle/>
+          <a:p>
+            <a:r>
+              <a:rPr lang="ru-RU" sz="4800" dirty="0" smtClean="0">
+                <a:solidFill>
+                  <a:schemeClr val="tx2">
+                    <a:lumMod val="25000"/>
+                  </a:schemeClr>
+                </a:solidFill>
+                <a:effectLst>
+                  <a:outerShdw blurRad="38100" dist="38100" dir="2700000" algn="tl">
+                    <a:srgbClr val="000000">
+                      <a:alpha val="43137"/>
+                    </a:srgbClr>
+                  </a:outerShdw>
+                </a:effectLst>
+                <a:latin typeface="Calibri" pitchFamily="34" charset="0"/>
+                <a:cs typeface="Calibri" pitchFamily="34" charset="0"/>
+              </a:rPr>
+              <a:t>Архитектура веб-приложения</a:t>
+            </a:r>
+            <a:endParaRPr lang="ru-RU" sz="4800" dirty="0">
+              <a:solidFill>
+                <a:schemeClr val="tx2">
+                  <a:lumMod val="25000"/>
+                </a:schemeClr>
+              </a:solidFill>
+              <a:effectLst>
+                <a:outerShdw blurRad="38100" dist="38100" dir="2700000" algn="tl">
+                  <a:srgbClr val="000000">
+                    <a:alpha val="43137"/>
+                  </a:srgbClr>
+                </a:outerShdw>
+              </a:effectLst>
+              <a:latin typeface="Calibri" pitchFamily="34" charset="0"/>
+              <a:cs typeface="Calibri" pitchFamily="34" charset="0"/>
+            </a:endParaRPr>
+          </a:p>
+        </p:txBody>
+      </p:sp>
+      <p:graphicFrame>
+        <p:nvGraphicFramePr>
+          <p:cNvPr id="3" name="Объект 2"/>
+          <p:cNvGraphicFramePr>
+            <a:graphicFrameLocks noChangeAspect="1"/>
+          </p:cNvGraphicFramePr>
+          <p:nvPr>
+            <p:extLst>
+              <p:ext uri="{D42A27DB-BD31-4B8C-83A1-F6EECF244321}">
+                <p14:modId xmlns:p14="http://schemas.microsoft.com/office/powerpoint/2010/main" val="2717818397"/>
+              </p:ext>
+            </p:extLst>
+          </p:nvPr>
+        </p:nvGraphicFramePr>
+        <p:xfrm>
+          <a:off x="1658242" y="1196752"/>
+          <a:ext cx="7234238" cy="5532438"/>
+        </p:xfrm>
+        <a:graphic>
+          <a:graphicData uri="http://schemas.openxmlformats.org/presentationml/2006/ole">
+            <mc:AlternateContent xmlns:mc="http://schemas.openxmlformats.org/markup-compatibility/2006">
+              <mc:Choice xmlns:v="urn:schemas-microsoft-com:vml" Requires="v">
+                <p:oleObj spid="_x0000_s3082" name="Visio" r:id="rId5" imgW="7234971" imgH="5531760" progId="Visio.Drawing.11">
+                  <p:embed/>
+                </p:oleObj>
+              </mc:Choice>
+              <mc:Fallback>
+                <p:oleObj name="Visio" r:id="rId5" imgW="7234971" imgH="5531760" progId="Visio.Drawing.11">
+                  <p:embed/>
+                  <p:pic>
+                    <p:nvPicPr>
+                      <p:cNvPr id="0" name=""/>
+                      <p:cNvPicPr/>
+                      <p:nvPr/>
+                    </p:nvPicPr>
+                    <p:blipFill>
+                      <a:blip r:embed="rId6"/>
+                      <a:stretch>
+                        <a:fillRect/>
+                      </a:stretch>
+                    </p:blipFill>
+                    <p:spPr>
+                      <a:xfrm>
+                        <a:off x="1658242" y="1196752"/>
+                        <a:ext cx="7234238" cy="5532438"/>
+                      </a:xfrm>
+                      <a:prstGeom prst="rect">
+                        <a:avLst/>
+                      </a:prstGeom>
+                    </p:spPr>
+                  </p:pic>
+                </p:oleObj>
+              </mc:Fallback>
+            </mc:AlternateContent>
+          </a:graphicData>
+        </a:graphic>
+      </p:graphicFrame>
+      <p:sp>
+        <p:nvSpPr>
+          <p:cNvPr id="5" name="TextBox 4"/>
+          <p:cNvSpPr txBox="1"/>
+          <p:nvPr/>
+        </p:nvSpPr>
+        <p:spPr>
+          <a:xfrm>
+            <a:off x="247930" y="1268760"/>
+            <a:ext cx="5692221" cy="1200329"/>
+          </a:xfrm>
+          <a:prstGeom prst="rect">
+            <a:avLst/>
+          </a:prstGeom>
+          <a:noFill/>
+        </p:spPr>
+        <p:txBody>
+          <a:bodyPr wrap="square" rtlCol="0" anchor="ctr">
+            <a:spAutoFit/>
+          </a:bodyPr>
+          <a:lstStyle/>
+          <a:p>
+            <a:r>
+              <a:rPr lang="ru-RU" sz="3600" dirty="0" smtClean="0">
+                <a:solidFill>
+                  <a:schemeClr val="tx2">
+                    <a:lumMod val="25000"/>
+                  </a:schemeClr>
+                </a:solidFill>
+                <a:effectLst>
+                  <a:outerShdw blurRad="38100" dist="38100" dir="2700000" algn="tl">
+                    <a:srgbClr val="000000">
+                      <a:alpha val="43137"/>
+                    </a:srgbClr>
+                  </a:outerShdw>
+                </a:effectLst>
+                <a:latin typeface="Calibri" pitchFamily="34" charset="0"/>
+                <a:cs typeface="Calibri" pitchFamily="34" charset="0"/>
+              </a:rPr>
+              <a:t>Централизованная </a:t>
+            </a:r>
+          </a:p>
+          <a:p>
+            <a:r>
+              <a:rPr lang="ru-RU" sz="3600" dirty="0" smtClean="0">
+                <a:solidFill>
+                  <a:schemeClr val="tx2">
+                    <a:lumMod val="25000"/>
+                  </a:schemeClr>
+                </a:solidFill>
+                <a:effectLst>
+                  <a:outerShdw blurRad="38100" dist="38100" dir="2700000" algn="tl">
+                    <a:srgbClr val="000000">
+                      <a:alpha val="43137"/>
+                    </a:srgbClr>
+                  </a:outerShdw>
+                </a:effectLst>
+                <a:latin typeface="Calibri" pitchFamily="34" charset="0"/>
+                <a:cs typeface="Calibri" pitchFamily="34" charset="0"/>
+              </a:rPr>
+              <a:t>схема</a:t>
+            </a:r>
+            <a:endParaRPr lang="ru-RU" sz="3600" dirty="0">
+              <a:solidFill>
+                <a:schemeClr val="tx2">
+                  <a:lumMod val="25000"/>
+                </a:schemeClr>
+              </a:solidFill>
+              <a:effectLst>
+                <a:outerShdw blurRad="38100" dist="38100" dir="2700000" algn="tl">
+                  <a:srgbClr val="000000">
+                    <a:alpha val="43137"/>
+                  </a:srgbClr>
+                </a:outerShdw>
+              </a:effectLst>
+              <a:latin typeface="Calibri" pitchFamily="34" charset="0"/>
+              <a:cs typeface="Calibri" pitchFamily="34" charset="0"/>
+            </a:endParaRPr>
+          </a:p>
+        </p:txBody>
+      </p:sp>
+    </p:spTree>
+    <p:extLst>
+      <p:ext uri="{BB962C8B-B14F-4D97-AF65-F5344CB8AC3E}">
+        <p14:creationId xmlns:p14="http://schemas.microsoft.com/office/powerpoint/2010/main" val="3186201731"/>
+      </p:ext>
+    </p:extLst>
+  </p:cSld>
+  <p:clrMapOvr>
+    <a:masterClrMapping/>
+  </p:clrMapOvr>
+  <p:timing>
+    <p:tnLst>
+      <p:par>
+        <p:cTn id="1" dur="indefinite" restart="never" nodeType="tmRoot"/>
+      </p:par>
+    </p:tnLst>
+  </p:timing>
+</p:sld>
+</file>
+
+<file path=ppt/slides/slide7.xml><?xml version="1.0" encoding="utf-8"?>
+<p:sld xmlns:a="http://schemas.openxmlformats.org/drawingml/2006/main" xmlns:r="http://schemas.openxmlformats.org/officeDocument/2006/relationships" xmlns:p="http://schemas.openxmlformats.org/presentationml/2006/main">
+  <p:cSld>
+    <p:bg>
+      <p:bgPr>
+        <a:blipFill dpi="0" rotWithShape="1">
+          <a:blip r:embed="rId3">
+            <a:alphaModFix amt="18000"/>
+            <a:duotone>
+              <a:prstClr val="black"/>
+              <a:schemeClr val="accent2">
+                <a:tint val="45000"/>
+                <a:satMod val="400000"/>
+              </a:schemeClr>
+            </a:duotone>
+            <a:lum/>
+            <a:extLst>
+              <a:ext uri="{BEBA8EAE-BF5A-486C-A8C5-ECC9F3942E4B}">
+                <a14:imgProps xmlns:a14="http://schemas.microsoft.com/office/drawing/2010/main">
+                  <a14:imgLayer r:embed="rId4">
+                    <a14:imgEffect>
+                      <a14:colorTemperature colorTemp="8250"/>
+                    </a14:imgEffect>
+                    <a14:imgEffect>
+                      <a14:saturation sat="115000"/>
+                    </a14:imgEffect>
+                    <a14:imgEffect>
+                      <a14:brightnessContrast bright="100000" contrast="1000"/>
+                    </a14:imgEffect>
+                  </a14:imgLayer>
+                </a14:imgProps>
+              </a:ext>
+            </a:extLst>
+          </a:blip>
+          <a:srcRect/>
+          <a:stretch>
+            <a:fillRect/>
+          </a:stretch>
+        </a:blipFill>
+        <a:effectLst/>
+      </p:bgPr>
+    </p:bg>
+    <p:spTree>
+      <p:nvGrpSpPr>
+        <p:cNvPr id="1" name=""/>
+        <p:cNvGrpSpPr/>
+        <p:nvPr/>
+      </p:nvGrpSpPr>
+      <p:grpSpPr>
+        <a:xfrm>
+          <a:off x="0" y="0"/>
+          <a:ext cx="0" cy="0"/>
+          <a:chOff x="0" y="0"/>
+          <a:chExt cx="0" cy="0"/>
+        </a:xfrm>
+      </p:grpSpPr>
+      <p:sp>
+        <p:nvSpPr>
+          <p:cNvPr id="4" name="TextBox 3"/>
+          <p:cNvSpPr txBox="1"/>
+          <p:nvPr/>
+        </p:nvSpPr>
+        <p:spPr>
+          <a:xfrm>
+            <a:off x="251520" y="190959"/>
+            <a:ext cx="8640960" cy="830997"/>
+          </a:xfrm>
+          <a:prstGeom prst="rect">
+            <a:avLst/>
+          </a:prstGeom>
+          <a:noFill/>
+        </p:spPr>
+        <p:txBody>
+          <a:bodyPr wrap="square" rtlCol="0" anchor="ctr">
+            <a:spAutoFit/>
+          </a:bodyPr>
+          <a:lstStyle/>
+          <a:p>
+            <a:r>
+              <a:rPr lang="ru-RU" sz="4800" dirty="0" smtClean="0">
+                <a:solidFill>
+                  <a:schemeClr val="tx2">
+                    <a:lumMod val="25000"/>
+                  </a:schemeClr>
+                </a:solidFill>
+                <a:effectLst>
+                  <a:outerShdw blurRad="38100" dist="38100" dir="2700000" algn="tl">
+                    <a:srgbClr val="000000">
+                      <a:alpha val="43137"/>
+                    </a:srgbClr>
+                  </a:outerShdw>
+                </a:effectLst>
+                <a:latin typeface="Calibri" pitchFamily="34" charset="0"/>
+                <a:cs typeface="Calibri" pitchFamily="34" charset="0"/>
+              </a:rPr>
+              <a:t>Архитектура веб-приложения</a:t>
+            </a:r>
+            <a:endParaRPr lang="ru-RU" sz="4800" dirty="0">
+              <a:solidFill>
+                <a:schemeClr val="tx2">
+                  <a:lumMod val="25000"/>
+                </a:schemeClr>
+              </a:solidFill>
+              <a:effectLst>
+                <a:outerShdw blurRad="38100" dist="38100" dir="2700000" algn="tl">
+                  <a:srgbClr val="000000">
+                    <a:alpha val="43137"/>
+                  </a:srgbClr>
+                </a:outerShdw>
+              </a:effectLst>
+              <a:latin typeface="Calibri" pitchFamily="34" charset="0"/>
+              <a:cs typeface="Calibri" pitchFamily="34" charset="0"/>
+            </a:endParaRPr>
+          </a:p>
+        </p:txBody>
+      </p:sp>
+      <p:sp>
+        <p:nvSpPr>
+          <p:cNvPr id="5" name="TextBox 4"/>
+          <p:cNvSpPr txBox="1"/>
+          <p:nvPr/>
+        </p:nvSpPr>
+        <p:spPr>
+          <a:xfrm>
+            <a:off x="251520" y="1268760"/>
+            <a:ext cx="5692221" cy="646331"/>
+          </a:xfrm>
+          <a:prstGeom prst="rect">
+            <a:avLst/>
+          </a:prstGeom>
+          <a:noFill/>
+        </p:spPr>
+        <p:txBody>
+          <a:bodyPr wrap="square" rtlCol="0" anchor="ctr">
+            <a:spAutoFit/>
+          </a:bodyPr>
+          <a:lstStyle/>
+          <a:p>
+            <a:r>
+              <a:rPr lang="ru-RU" sz="3600" dirty="0" smtClean="0">
+                <a:solidFill>
+                  <a:schemeClr val="tx2">
+                    <a:lumMod val="25000"/>
+                  </a:schemeClr>
+                </a:solidFill>
+                <a:effectLst>
+                  <a:outerShdw blurRad="38100" dist="38100" dir="2700000" algn="tl">
+                    <a:srgbClr val="000000">
+                      <a:alpha val="43137"/>
+                    </a:srgbClr>
+                  </a:outerShdw>
+                </a:effectLst>
+                <a:latin typeface="Calibri" pitchFamily="34" charset="0"/>
+                <a:cs typeface="Calibri" pitchFamily="34" charset="0"/>
+              </a:rPr>
+              <a:t>Распределенная схема</a:t>
+            </a:r>
+            <a:endParaRPr lang="ru-RU" sz="3600" dirty="0">
+              <a:solidFill>
+                <a:schemeClr val="tx2">
+                  <a:lumMod val="25000"/>
+                </a:schemeClr>
+              </a:solidFill>
+              <a:effectLst>
+                <a:outerShdw blurRad="38100" dist="38100" dir="2700000" algn="tl">
+                  <a:srgbClr val="000000">
+                    <a:alpha val="43137"/>
+                  </a:srgbClr>
+                </a:outerShdw>
+              </a:effectLst>
+              <a:latin typeface="Calibri" pitchFamily="34" charset="0"/>
+              <a:cs typeface="Calibri" pitchFamily="34" charset="0"/>
+            </a:endParaRPr>
+          </a:p>
+        </p:txBody>
+      </p:sp>
+      <p:graphicFrame>
+        <p:nvGraphicFramePr>
+          <p:cNvPr id="2" name="Объект 1"/>
+          <p:cNvGraphicFramePr>
+            <a:graphicFrameLocks noChangeAspect="1"/>
+          </p:cNvGraphicFramePr>
+          <p:nvPr>
+            <p:extLst>
+              <p:ext uri="{D42A27DB-BD31-4B8C-83A1-F6EECF244321}">
+                <p14:modId xmlns:p14="http://schemas.microsoft.com/office/powerpoint/2010/main" val="4162909663"/>
+              </p:ext>
+            </p:extLst>
+          </p:nvPr>
+        </p:nvGraphicFramePr>
+        <p:xfrm>
+          <a:off x="395593" y="2276873"/>
+          <a:ext cx="8352814" cy="4035554"/>
+        </p:xfrm>
+        <a:graphic>
+          <a:graphicData uri="http://schemas.openxmlformats.org/presentationml/2006/ole">
+            <mc:AlternateContent xmlns:mc="http://schemas.openxmlformats.org/markup-compatibility/2006">
+              <mc:Choice xmlns:v="urn:schemas-microsoft-com:vml" Requires="v">
+                <p:oleObj spid="_x0000_s4105" name="Visio" r:id="rId5" imgW="7954875" imgH="3843720" progId="Visio.Drawing.11">
+                  <p:embed/>
+                </p:oleObj>
+              </mc:Choice>
+              <mc:Fallback>
+                <p:oleObj name="Visio" r:id="rId5" imgW="7954875" imgH="3843720" progId="Visio.Drawing.11">
+                  <p:embed/>
+                  <p:pic>
+                    <p:nvPicPr>
+                      <p:cNvPr id="0" name=""/>
+                      <p:cNvPicPr/>
+                      <p:nvPr/>
+                    </p:nvPicPr>
+                    <p:blipFill>
+                      <a:blip r:embed="rId6"/>
+                      <a:stretch>
+                        <a:fillRect/>
+                      </a:stretch>
+                    </p:blipFill>
+                    <p:spPr>
+                      <a:xfrm>
+                        <a:off x="395593" y="2276873"/>
+                        <a:ext cx="8352814" cy="4035554"/>
+                      </a:xfrm>
+                      <a:prstGeom prst="rect">
+                        <a:avLst/>
+                      </a:prstGeom>
+                    </p:spPr>
+                  </p:pic>
+                </p:oleObj>
+              </mc:Fallback>
+            </mc:AlternateContent>
+          </a:graphicData>
+        </a:graphic>
+      </p:graphicFrame>
+    </p:spTree>
+    <p:extLst>
+      <p:ext uri="{BB962C8B-B14F-4D97-AF65-F5344CB8AC3E}">
+        <p14:creationId xmlns:p14="http://schemas.microsoft.com/office/powerpoint/2010/main" val="1588801949"/>
+      </p:ext>
+    </p:extLst>
+  </p:cSld>
+  <p:clrMapOvr>
+    <a:masterClrMapping/>
+  </p:clrMapOvr>
+  <p:timing>
+    <p:tnLst>
+      <p:par>
+        <p:cTn id="1" dur="indefinite" restart="never" nodeType="tmRoot"/>
+      </p:par>
+    </p:tnLst>
+  </p:timing>
+</p:sld>
+</file>
+
+<file path=ppt/slides/slide8.xml><?xml version="1.0" encoding="utf-8"?>
+<p:sld xmlns:a="http://schemas.openxmlformats.org/drawingml/2006/main" xmlns:r="http://schemas.openxmlformats.org/officeDocument/2006/relationships" xmlns:p="http://schemas.openxmlformats.org/presentationml/2006/main">
+  <p:cSld>
+    <p:bg>
+      <p:bgPr>
+        <a:blipFill dpi="0" rotWithShape="1">
+          <a:blip r:embed="rId3">
+            <a:alphaModFix amt="18000"/>
+            <a:duotone>
+              <a:prstClr val="black"/>
+              <a:schemeClr val="accent2">
+                <a:tint val="45000"/>
+                <a:satMod val="400000"/>
+              </a:schemeClr>
+            </a:duotone>
+            <a:lum/>
+            <a:extLst>
+              <a:ext uri="{BEBA8EAE-BF5A-486C-A8C5-ECC9F3942E4B}">
+                <a14:imgProps xmlns:a14="http://schemas.microsoft.com/office/drawing/2010/main">
+                  <a14:imgLayer r:embed="rId4">
+                    <a14:imgEffect>
+                      <a14:colorTemperature colorTemp="8250"/>
+                    </a14:imgEffect>
+                    <a14:imgEffect>
+                      <a14:saturation sat="115000"/>
+                    </a14:imgEffect>
+                    <a14:imgEffect>
+                      <a14:brightnessContrast bright="100000" contrast="1000"/>
+                    </a14:imgEffect>
+                  </a14:imgLayer>
+                </a14:imgProps>
+              </a:ext>
+            </a:extLst>
+          </a:blip>
+          <a:srcRect/>
+          <a:stretch>
+            <a:fillRect/>
+          </a:stretch>
+        </a:blipFill>
+        <a:effectLst/>
+      </p:bgPr>
+    </p:bg>
+    <p:spTree>
+      <p:nvGrpSpPr>
+        <p:cNvPr id="1" name=""/>
+        <p:cNvGrpSpPr/>
+        <p:nvPr/>
+      </p:nvGrpSpPr>
+      <p:grpSpPr>
+        <a:xfrm>
+          <a:off x="0" y="0"/>
+          <a:ext cx="0" cy="0"/>
+          <a:chOff x="0" y="0"/>
+          <a:chExt cx="0" cy="0"/>
+        </a:xfrm>
+      </p:grpSpPr>
+      <p:sp>
+        <p:nvSpPr>
+          <p:cNvPr id="4" name="TextBox 3"/>
+          <p:cNvSpPr txBox="1"/>
+          <p:nvPr/>
+        </p:nvSpPr>
+        <p:spPr>
+          <a:xfrm>
+            <a:off x="251520" y="190959"/>
+            <a:ext cx="8640960" cy="830997"/>
+          </a:xfrm>
+          <a:prstGeom prst="rect">
+            <a:avLst/>
+          </a:prstGeom>
+          <a:noFill/>
+        </p:spPr>
+        <p:txBody>
+          <a:bodyPr wrap="square" rtlCol="0" anchor="ctr">
+            <a:spAutoFit/>
+          </a:bodyPr>
+          <a:lstStyle/>
+          <a:p>
+            <a:r>
+              <a:rPr lang="ru-RU" sz="4800" dirty="0" smtClean="0">
+                <a:solidFill>
+                  <a:schemeClr val="tx2">
+                    <a:lumMod val="25000"/>
+                  </a:schemeClr>
+                </a:solidFill>
+                <a:effectLst>
+                  <a:outerShdw blurRad="38100" dist="38100" dir="2700000" algn="tl">
+                    <a:srgbClr val="000000">
+                      <a:alpha val="43137"/>
+                    </a:srgbClr>
+                  </a:outerShdw>
+                </a:effectLst>
+                <a:latin typeface="Calibri" pitchFamily="34" charset="0"/>
+                <a:cs typeface="Calibri" pitchFamily="34" charset="0"/>
+              </a:rPr>
+              <a:t>Архитектура веб-приложения</a:t>
+            </a:r>
+            <a:endParaRPr lang="ru-RU" sz="4800" dirty="0">
+              <a:solidFill>
+                <a:schemeClr val="tx2">
+                  <a:lumMod val="25000"/>
+                </a:schemeClr>
+              </a:solidFill>
+              <a:effectLst>
+                <a:outerShdw blurRad="38100" dist="38100" dir="2700000" algn="tl">
+                  <a:srgbClr val="000000">
+                    <a:alpha val="43137"/>
+                  </a:srgbClr>
+                </a:outerShdw>
+              </a:effectLst>
+              <a:latin typeface="Calibri" pitchFamily="34" charset="0"/>
+              <a:cs typeface="Calibri" pitchFamily="34" charset="0"/>
+            </a:endParaRPr>
+          </a:p>
+        </p:txBody>
+      </p:sp>
+      <p:sp>
+        <p:nvSpPr>
+          <p:cNvPr id="5" name="TextBox 4"/>
+          <p:cNvSpPr txBox="1"/>
+          <p:nvPr/>
+        </p:nvSpPr>
+        <p:spPr>
+          <a:xfrm>
+            <a:off x="251520" y="1268760"/>
+            <a:ext cx="5692221" cy="646331"/>
+          </a:xfrm>
+          <a:prstGeom prst="rect">
+            <a:avLst/>
+          </a:prstGeom>
+          <a:noFill/>
+        </p:spPr>
+        <p:txBody>
+          <a:bodyPr wrap="square" rtlCol="0" anchor="ctr">
+            <a:spAutoFit/>
+          </a:bodyPr>
+          <a:lstStyle/>
+          <a:p>
+            <a:r>
+              <a:rPr lang="ru-RU" sz="3600" dirty="0" smtClean="0">
+                <a:solidFill>
+                  <a:schemeClr val="tx2">
+                    <a:lumMod val="25000"/>
+                  </a:schemeClr>
+                </a:solidFill>
+                <a:effectLst>
+                  <a:outerShdw blurRad="38100" dist="38100" dir="2700000" algn="tl">
+                    <a:srgbClr val="000000">
+                      <a:alpha val="43137"/>
+                    </a:srgbClr>
+                  </a:outerShdw>
+                </a:effectLst>
+                <a:latin typeface="Calibri" pitchFamily="34" charset="0"/>
+                <a:cs typeface="Calibri" pitchFamily="34" charset="0"/>
+              </a:rPr>
+              <a:t>Модульная схема</a:t>
+            </a:r>
+            <a:endParaRPr lang="ru-RU" sz="3600" dirty="0">
+              <a:solidFill>
+                <a:schemeClr val="tx2">
+                  <a:lumMod val="25000"/>
+                </a:schemeClr>
+              </a:solidFill>
+              <a:effectLst>
+                <a:outerShdw blurRad="38100" dist="38100" dir="2700000" algn="tl">
+                  <a:srgbClr val="000000">
+                    <a:alpha val="43137"/>
+                  </a:srgbClr>
+                </a:outerShdw>
+              </a:effectLst>
+              <a:latin typeface="Calibri" pitchFamily="34" charset="0"/>
+              <a:cs typeface="Calibri" pitchFamily="34" charset="0"/>
+            </a:endParaRPr>
+          </a:p>
+        </p:txBody>
+      </p:sp>
+      <p:graphicFrame>
+        <p:nvGraphicFramePr>
+          <p:cNvPr id="3" name="Объект 2"/>
+          <p:cNvGraphicFramePr>
+            <a:graphicFrameLocks noChangeAspect="1"/>
+          </p:cNvGraphicFramePr>
+          <p:nvPr>
+            <p:extLst>
+              <p:ext uri="{D42A27DB-BD31-4B8C-83A1-F6EECF244321}">
+                <p14:modId xmlns:p14="http://schemas.microsoft.com/office/powerpoint/2010/main" val="1893791108"/>
+              </p:ext>
+            </p:extLst>
+          </p:nvPr>
+        </p:nvGraphicFramePr>
+        <p:xfrm>
+          <a:off x="234156" y="2060848"/>
+          <a:ext cx="8675688" cy="4025900"/>
+        </p:xfrm>
+        <a:graphic>
+          <a:graphicData uri="http://schemas.openxmlformats.org/presentationml/2006/ole">
+            <mc:AlternateContent xmlns:mc="http://schemas.openxmlformats.org/markup-compatibility/2006">
+              <mc:Choice xmlns:v="urn:schemas-microsoft-com:vml" Requires="v">
+                <p:oleObj spid="_x0000_s5129" name="Visio" r:id="rId5" imgW="8675049" imgH="4026240" progId="Visio.Drawing.11">
+                  <p:embed/>
+                </p:oleObj>
+              </mc:Choice>
+              <mc:Fallback>
+                <p:oleObj name="Visio" r:id="rId5" imgW="8675049" imgH="4026240" progId="Visio.Drawing.11">
+                  <p:embed/>
+                  <p:pic>
+                    <p:nvPicPr>
+                      <p:cNvPr id="0" name=""/>
+                      <p:cNvPicPr/>
+                      <p:nvPr/>
+                    </p:nvPicPr>
+                    <p:blipFill>
+                      <a:blip r:embed="rId6"/>
+                      <a:stretch>
+                        <a:fillRect/>
+                      </a:stretch>
+                    </p:blipFill>
+                    <p:spPr>
+                      <a:xfrm>
+                        <a:off x="234156" y="2060848"/>
+                        <a:ext cx="8675688" cy="4025900"/>
+                      </a:xfrm>
+                      <a:prstGeom prst="rect">
+                        <a:avLst/>
+                      </a:prstGeom>
+                    </p:spPr>
+                  </p:pic>
+                </p:oleObj>
+              </mc:Fallback>
+            </mc:AlternateContent>
+          </a:graphicData>
+        </a:graphic>
+      </p:graphicFrame>
+    </p:spTree>
+    <p:extLst>
+      <p:ext uri="{BB962C8B-B14F-4D97-AF65-F5344CB8AC3E}">
+        <p14:creationId xmlns:p14="http://schemas.microsoft.com/office/powerpoint/2010/main" val="154633680"/>
+      </p:ext>
+    </p:extLst>
+  </p:cSld>
+  <p:clrMapOvr>
+    <a:masterClrMapping/>
+  </p:clrMapOvr>
+  <p:timing>
+    <p:tnLst>
+      <p:par>
+        <p:cTn id="1" dur="indefinite" restart="never" nodeType="tmRoot"/>
+      </p:par>
+    </p:tnLst>
+  </p:timing>
+</p:sld>
+</file>
+
+<file path=ppt/slides/slide9.xml><?xml version="1.0" encoding="utf-8"?>
 <p:sld xmlns:a="http://schemas.openxmlformats.org/drawingml/2006/main" xmlns:r="http://schemas.openxmlformats.org/officeDocument/2006/relationships" xmlns:p="http://schemas.openxmlformats.org/presentationml/2006/main">
   <p:cSld>
     <p:bg>
@@ -5492,7 +7221,6 @@
           </a:bodyPr>
           <a:lstStyle/>
           <a:p>
-            <a:pPr algn="ctr"/>
             <a:r>
               <a:rPr lang="ru-RU" sz="4800" dirty="0" smtClean="0">
                 <a:solidFill>
@@ -5510,7 +7238,26 @@
                 <a:latin typeface="Calibri" pitchFamily="34" charset="0"/>
                 <a:cs typeface="Calibri" pitchFamily="34" charset="0"/>
               </a:rPr>
-              <a:t>Архитектура веб-приложения</a:t>
+              <a:t>Модули </a:t>
+            </a:r>
+            <a:r>
+              <a:rPr lang="ru-RU" sz="4800" dirty="0" smtClean="0">
+                <a:solidFill>
+                  <a:schemeClr val="tx2">
+                    <a:lumMod val="25000"/>
+                  </a:schemeClr>
+                </a:solidFill>
+                <a:effectLst>
+                  <a:outerShdw blurRad="38100" dist="38100" dir="2700000" algn="tl">
+                    <a:srgbClr val="000000">
+                      <a:alpha val="43137"/>
+                    </a:srgbClr>
+                  </a:outerShdw>
+                </a:effectLst>
+                <a:latin typeface="Calibri" pitchFamily="34" charset="0"/>
+                <a:cs typeface="Calibri" pitchFamily="34" charset="0"/>
+              </a:rPr>
+              <a:t>веб-приложения</a:t>
             </a:r>
             <a:endParaRPr lang="ru-RU" sz="4800" dirty="0">
               <a:solidFill>
@@ -5531,10 +7278,575 @@
           </a:p>
         </p:txBody>
       </p:sp>
+      <p:sp>
+        <p:nvSpPr>
+          <p:cNvPr id="5" name="TextBox 4"/>
+          <p:cNvSpPr txBox="1"/>
+          <p:nvPr/>
+        </p:nvSpPr>
+        <p:spPr>
+          <a:xfrm>
+            <a:off x="251520" y="1196752"/>
+            <a:ext cx="7920880" cy="646331"/>
+          </a:xfrm>
+          <a:prstGeom prst="rect">
+            <a:avLst/>
+          </a:prstGeom>
+          <a:noFill/>
+        </p:spPr>
+        <p:txBody>
+          <a:bodyPr wrap="square" rtlCol="0" anchor="ctr">
+            <a:spAutoFit/>
+          </a:bodyPr>
+          <a:lstStyle/>
+          <a:p>
+            <a:r>
+              <a:rPr lang="ru-RU" sz="3600" dirty="0" smtClean="0">
+                <a:solidFill>
+                  <a:schemeClr val="tx2">
+                    <a:lumMod val="25000"/>
+                  </a:schemeClr>
+                </a:solidFill>
+                <a:effectLst>
+                  <a:outerShdw blurRad="38100" dist="38100" dir="2700000" algn="tl">
+                    <a:srgbClr val="000000">
+                      <a:alpha val="43137"/>
+                    </a:srgbClr>
+                  </a:outerShdw>
+                </a:effectLst>
+                <a:latin typeface="Calibri" pitchFamily="34" charset="0"/>
+                <a:cs typeface="Calibri" pitchFamily="34" charset="0"/>
+              </a:rPr>
+              <a:t>Модуль навигации «Хлебные крошки»</a:t>
+            </a:r>
+            <a:endParaRPr lang="ru-RU" sz="3600" dirty="0">
+              <a:solidFill>
+                <a:schemeClr val="tx2">
+                  <a:lumMod val="25000"/>
+                </a:schemeClr>
+              </a:solidFill>
+              <a:effectLst>
+                <a:outerShdw blurRad="38100" dist="38100" dir="2700000" algn="tl">
+                  <a:srgbClr val="000000">
+                    <a:alpha val="43137"/>
+                  </a:srgbClr>
+                </a:outerShdw>
+              </a:effectLst>
+              <a:latin typeface="Calibri" pitchFamily="34" charset="0"/>
+              <a:cs typeface="Calibri" pitchFamily="34" charset="0"/>
+            </a:endParaRPr>
+          </a:p>
+        </p:txBody>
+      </p:sp>
+      <p:pic>
+        <p:nvPicPr>
+          <p:cNvPr id="6146" name="Picture 2"/>
+          <p:cNvPicPr>
+            <a:picLocks noChangeAspect="1" noChangeArrowheads="1"/>
+          </p:cNvPicPr>
+          <p:nvPr/>
+        </p:nvPicPr>
+        <p:blipFill rotWithShape="1">
+          <a:blip r:embed="rId4">
+            <a:extLst>
+              <a:ext uri="{28A0092B-C50C-407E-A947-70E740481C1C}">
+                <a14:useLocalDpi xmlns:a14="http://schemas.microsoft.com/office/drawing/2010/main" val="0"/>
+              </a:ext>
+            </a:extLst>
+          </a:blip>
+          <a:srcRect r="4148" b="24385"/>
+          <a:stretch/>
+        </p:blipFill>
+        <p:spPr bwMode="auto">
+          <a:xfrm>
+            <a:off x="219785" y="2335764"/>
+            <a:ext cx="4464496" cy="432144"/>
+          </a:xfrm>
+          <a:prstGeom prst="rect">
+            <a:avLst/>
+          </a:prstGeom>
+          <a:noFill/>
+          <a:ln>
+            <a:noFill/>
+          </a:ln>
+          <a:effectLst/>
+          <a:extLst>
+            <a:ext uri="{909E8E84-426E-40DD-AFC4-6F175D3DCCD1}">
+              <a14:hiddenFill xmlns:a14="http://schemas.microsoft.com/office/drawing/2010/main">
+                <a:solidFill>
+                  <a:schemeClr val="accent1"/>
+                </a:solidFill>
+              </a14:hiddenFill>
+            </a:ext>
+            <a:ext uri="{91240B29-F687-4F45-9708-019B960494DF}">
+              <a14:hiddenLine xmlns:a14="http://schemas.microsoft.com/office/drawing/2010/main" w="9525">
+                <a:solidFill>
+                  <a:schemeClr val="tx1"/>
+                </a:solidFill>
+                <a:miter lim="800000"/>
+                <a:headEnd/>
+                <a:tailEnd/>
+              </a14:hiddenLine>
+            </a:ext>
+            <a:ext uri="{AF507438-7753-43E0-B8FC-AC1667EBCBE1}">
+              <a14:hiddenEffects xmlns:a14="http://schemas.microsoft.com/office/drawing/2010/main">
+                <a:effectLst>
+                  <a:outerShdw dist="35921" dir="2700000" algn="ctr" rotWithShape="0">
+                    <a:schemeClr val="bg2"/>
+                  </a:outerShdw>
+                </a:effectLst>
+              </a14:hiddenEffects>
+            </a:ext>
+          </a:extLst>
+        </p:spPr>
+      </p:pic>
+      <p:sp>
+        <p:nvSpPr>
+          <p:cNvPr id="7" name="TextBox 6"/>
+          <p:cNvSpPr txBox="1"/>
+          <p:nvPr/>
+        </p:nvSpPr>
+        <p:spPr>
+          <a:xfrm>
+            <a:off x="4669678" y="1951672"/>
+            <a:ext cx="4222802" cy="1200329"/>
+          </a:xfrm>
+          <a:prstGeom prst="rect">
+            <a:avLst/>
+          </a:prstGeom>
+          <a:noFill/>
+        </p:spPr>
+        <p:txBody>
+          <a:bodyPr wrap="square" rtlCol="0" anchor="ctr">
+            <a:spAutoFit/>
+          </a:bodyPr>
+          <a:lstStyle/>
+          <a:p>
+            <a:pPr algn="r"/>
+            <a:r>
+              <a:rPr lang="en-US" sz="3600" dirty="0" err="1" smtClean="0">
+                <a:solidFill>
+                  <a:schemeClr val="tx2">
+                    <a:lumMod val="25000"/>
+                  </a:schemeClr>
+                </a:solidFill>
+                <a:effectLst>
+                  <a:outerShdw blurRad="38100" dist="38100" dir="2700000" algn="tl">
+                    <a:srgbClr val="000000">
+                      <a:alpha val="43137"/>
+                    </a:srgbClr>
+                  </a:outerShdw>
+                </a:effectLst>
+                <a:latin typeface="Consolas" pitchFamily="49" charset="0"/>
+                <a:cs typeface="Consolas" pitchFamily="49" charset="0"/>
+              </a:rPr>
+              <a:t>bread_crumbs.php</a:t>
+            </a:r>
+            <a:endParaRPr lang="en-US" sz="3600" dirty="0" smtClean="0">
+              <a:solidFill>
+                <a:schemeClr val="tx2">
+                  <a:lumMod val="25000"/>
+                </a:schemeClr>
+              </a:solidFill>
+              <a:effectLst>
+                <a:outerShdw blurRad="38100" dist="38100" dir="2700000" algn="tl">
+                  <a:srgbClr val="000000">
+                    <a:alpha val="43137"/>
+                  </a:srgbClr>
+                </a:outerShdw>
+              </a:effectLst>
+              <a:latin typeface="Consolas" pitchFamily="49" charset="0"/>
+              <a:cs typeface="Consolas" pitchFamily="49" charset="0"/>
+            </a:endParaRPr>
+          </a:p>
+          <a:p>
+            <a:pPr algn="r"/>
+            <a:r>
+              <a:rPr lang="en-US" sz="3600" dirty="0" err="1" smtClean="0">
+                <a:solidFill>
+                  <a:schemeClr val="tx2">
+                    <a:lumMod val="25000"/>
+                  </a:schemeClr>
+                </a:solidFill>
+                <a:effectLst>
+                  <a:outerShdw blurRad="38100" dist="38100" dir="2700000" algn="tl">
+                    <a:srgbClr val="000000">
+                      <a:alpha val="43137"/>
+                    </a:srgbClr>
+                  </a:outerShdw>
+                </a:effectLst>
+                <a:latin typeface="Consolas" pitchFamily="49" charset="0"/>
+                <a:cs typeface="Consolas" pitchFamily="49" charset="0"/>
+              </a:rPr>
+              <a:t>nav-item.tpl</a:t>
+            </a:r>
+            <a:endParaRPr lang="ru-RU" sz="3600" dirty="0">
+              <a:solidFill>
+                <a:schemeClr val="tx2">
+                  <a:lumMod val="25000"/>
+                </a:schemeClr>
+              </a:solidFill>
+              <a:effectLst>
+                <a:outerShdw blurRad="38100" dist="38100" dir="2700000" algn="tl">
+                  <a:srgbClr val="000000">
+                    <a:alpha val="43137"/>
+                  </a:srgbClr>
+                </a:outerShdw>
+              </a:effectLst>
+              <a:latin typeface="Consolas" pitchFamily="49" charset="0"/>
+              <a:cs typeface="Consolas" pitchFamily="49" charset="0"/>
+            </a:endParaRPr>
+          </a:p>
+        </p:txBody>
+      </p:sp>
+      <p:sp>
+        <p:nvSpPr>
+          <p:cNvPr id="8" name="TextBox 7"/>
+          <p:cNvSpPr txBox="1"/>
+          <p:nvPr/>
+        </p:nvSpPr>
+        <p:spPr>
+          <a:xfrm>
+            <a:off x="251520" y="3429000"/>
+            <a:ext cx="7920880" cy="646331"/>
+          </a:xfrm>
+          <a:prstGeom prst="rect">
+            <a:avLst/>
+          </a:prstGeom>
+          <a:noFill/>
+        </p:spPr>
+        <p:txBody>
+          <a:bodyPr wrap="square" rtlCol="0" anchor="ctr">
+            <a:spAutoFit/>
+          </a:bodyPr>
+          <a:lstStyle/>
+          <a:p>
+            <a:r>
+              <a:rPr lang="ru-RU" sz="3600" dirty="0" smtClean="0">
+                <a:solidFill>
+                  <a:schemeClr val="tx2">
+                    <a:lumMod val="25000"/>
+                  </a:schemeClr>
+                </a:solidFill>
+                <a:effectLst>
+                  <a:outerShdw blurRad="38100" dist="38100" dir="2700000" algn="tl">
+                    <a:srgbClr val="000000">
+                      <a:alpha val="43137"/>
+                    </a:srgbClr>
+                  </a:outerShdw>
+                </a:effectLst>
+                <a:latin typeface="Calibri" pitchFamily="34" charset="0"/>
+                <a:cs typeface="Calibri" pitchFamily="34" charset="0"/>
+              </a:rPr>
+              <a:t>Модуль </a:t>
+            </a:r>
+            <a:r>
+              <a:rPr lang="ru-RU" sz="3600" dirty="0" smtClean="0">
+                <a:solidFill>
+                  <a:schemeClr val="tx2">
+                    <a:lumMod val="25000"/>
+                  </a:schemeClr>
+                </a:solidFill>
+                <a:effectLst>
+                  <a:outerShdw blurRad="38100" dist="38100" dir="2700000" algn="tl">
+                    <a:srgbClr val="000000">
+                      <a:alpha val="43137"/>
+                    </a:srgbClr>
+                  </a:outerShdw>
+                </a:effectLst>
+                <a:latin typeface="Calibri" pitchFamily="34" charset="0"/>
+                <a:cs typeface="Calibri" pitchFamily="34" charset="0"/>
+              </a:rPr>
+              <a:t>авторизации</a:t>
+            </a:r>
+            <a:endParaRPr lang="ru-RU" sz="3600" dirty="0">
+              <a:solidFill>
+                <a:schemeClr val="tx2">
+                  <a:lumMod val="25000"/>
+                </a:schemeClr>
+              </a:solidFill>
+              <a:effectLst>
+                <a:outerShdw blurRad="38100" dist="38100" dir="2700000" algn="tl">
+                  <a:srgbClr val="000000">
+                    <a:alpha val="43137"/>
+                  </a:srgbClr>
+                </a:outerShdw>
+              </a:effectLst>
+              <a:latin typeface="Calibri" pitchFamily="34" charset="0"/>
+              <a:cs typeface="Calibri" pitchFamily="34" charset="0"/>
+            </a:endParaRPr>
+          </a:p>
+        </p:txBody>
+      </p:sp>
+      <p:pic>
+        <p:nvPicPr>
+          <p:cNvPr id="6147" name="Picture 3"/>
+          <p:cNvPicPr>
+            <a:picLocks noChangeAspect="1" noChangeArrowheads="1"/>
+          </p:cNvPicPr>
+          <p:nvPr/>
+        </p:nvPicPr>
+        <p:blipFill>
+          <a:blip r:embed="rId5">
+            <a:extLst>
+              <a:ext uri="{28A0092B-C50C-407E-A947-70E740481C1C}">
+                <a14:useLocalDpi xmlns:a14="http://schemas.microsoft.com/office/drawing/2010/main" val="0"/>
+              </a:ext>
+            </a:extLst>
+          </a:blip>
+          <a:srcRect/>
+          <a:stretch>
+            <a:fillRect/>
+          </a:stretch>
+        </p:blipFill>
+        <p:spPr bwMode="auto">
+          <a:xfrm>
+            <a:off x="219327" y="4620655"/>
+            <a:ext cx="3200400" cy="533400"/>
+          </a:xfrm>
+          <a:prstGeom prst="rect">
+            <a:avLst/>
+          </a:prstGeom>
+          <a:noFill/>
+          <a:ln>
+            <a:noFill/>
+          </a:ln>
+          <a:effectLst/>
+          <a:extLst>
+            <a:ext uri="{909E8E84-426E-40DD-AFC4-6F175D3DCCD1}">
+              <a14:hiddenFill xmlns:a14="http://schemas.microsoft.com/office/drawing/2010/main">
+                <a:solidFill>
+                  <a:schemeClr val="accent1"/>
+                </a:solidFill>
+              </a14:hiddenFill>
+            </a:ext>
+            <a:ext uri="{91240B29-F687-4F45-9708-019B960494DF}">
+              <a14:hiddenLine xmlns:a14="http://schemas.microsoft.com/office/drawing/2010/main" w="9525">
+                <a:solidFill>
+                  <a:schemeClr val="tx1"/>
+                </a:solidFill>
+                <a:miter lim="800000"/>
+                <a:headEnd/>
+                <a:tailEnd/>
+              </a14:hiddenLine>
+            </a:ext>
+            <a:ext uri="{AF507438-7753-43E0-B8FC-AC1667EBCBE1}">
+              <a14:hiddenEffects xmlns:a14="http://schemas.microsoft.com/office/drawing/2010/main">
+                <a:effectLst>
+                  <a:outerShdw dist="35921" dir="2700000" algn="ctr" rotWithShape="0">
+                    <a:schemeClr val="bg2"/>
+                  </a:outerShdw>
+                </a:effectLst>
+              </a14:hiddenEffects>
+            </a:ext>
+          </a:extLst>
+        </p:spPr>
+      </p:pic>
+      <p:pic>
+        <p:nvPicPr>
+          <p:cNvPr id="6148" name="Picture 4"/>
+          <p:cNvPicPr>
+            <a:picLocks noChangeAspect="1" noChangeArrowheads="1"/>
+          </p:cNvPicPr>
+          <p:nvPr/>
+        </p:nvPicPr>
+        <p:blipFill>
+          <a:blip r:embed="rId6">
+            <a:extLst>
+              <a:ext uri="{28A0092B-C50C-407E-A947-70E740481C1C}">
+                <a14:useLocalDpi xmlns:a14="http://schemas.microsoft.com/office/drawing/2010/main" val="0"/>
+              </a:ext>
+            </a:extLst>
+          </a:blip>
+          <a:srcRect/>
+          <a:stretch>
+            <a:fillRect/>
+          </a:stretch>
+        </p:blipFill>
+        <p:spPr bwMode="auto">
+          <a:xfrm>
+            <a:off x="205071" y="5373216"/>
+            <a:ext cx="4666830" cy="352726"/>
+          </a:xfrm>
+          <a:prstGeom prst="rect">
+            <a:avLst/>
+          </a:prstGeom>
+          <a:noFill/>
+          <a:ln>
+            <a:noFill/>
+          </a:ln>
+          <a:effectLst/>
+          <a:extLst>
+            <a:ext uri="{909E8E84-426E-40DD-AFC4-6F175D3DCCD1}">
+              <a14:hiddenFill xmlns:a14="http://schemas.microsoft.com/office/drawing/2010/main">
+                <a:solidFill>
+                  <a:schemeClr val="accent1"/>
+                </a:solidFill>
+              </a14:hiddenFill>
+            </a:ext>
+            <a:ext uri="{91240B29-F687-4F45-9708-019B960494DF}">
+              <a14:hiddenLine xmlns:a14="http://schemas.microsoft.com/office/drawing/2010/main" w="9525">
+                <a:solidFill>
+                  <a:schemeClr val="tx1"/>
+                </a:solidFill>
+                <a:miter lim="800000"/>
+                <a:headEnd/>
+                <a:tailEnd/>
+              </a14:hiddenLine>
+            </a:ext>
+            <a:ext uri="{AF507438-7753-43E0-B8FC-AC1667EBCBE1}">
+              <a14:hiddenEffects xmlns:a14="http://schemas.microsoft.com/office/drawing/2010/main">
+                <a:effectLst>
+                  <a:outerShdw dist="35921" dir="2700000" algn="ctr" rotWithShape="0">
+                    <a:schemeClr val="bg2"/>
+                  </a:outerShdw>
+                </a:effectLst>
+              </a14:hiddenEffects>
+            </a:ext>
+          </a:extLst>
+        </p:spPr>
+      </p:pic>
+      <p:sp>
+        <p:nvSpPr>
+          <p:cNvPr id="11" name="TextBox 10"/>
+          <p:cNvSpPr txBox="1"/>
+          <p:nvPr/>
+        </p:nvSpPr>
+        <p:spPr>
+          <a:xfrm>
+            <a:off x="4871900" y="4276892"/>
+            <a:ext cx="4020579" cy="1754326"/>
+          </a:xfrm>
+          <a:prstGeom prst="rect">
+            <a:avLst/>
+          </a:prstGeom>
+          <a:noFill/>
+        </p:spPr>
+        <p:txBody>
+          <a:bodyPr wrap="square" rtlCol="0" anchor="ctr">
+            <a:spAutoFit/>
+          </a:bodyPr>
+          <a:lstStyle/>
+          <a:p>
+            <a:pPr algn="r"/>
+            <a:r>
+              <a:rPr lang="ru-RU" sz="3600" dirty="0" err="1" smtClean="0">
+                <a:solidFill>
+                  <a:schemeClr val="tx2">
+                    <a:lumMod val="25000"/>
+                  </a:schemeClr>
+                </a:solidFill>
+                <a:effectLst>
+                  <a:outerShdw blurRad="38100" dist="38100" dir="2700000" algn="tl">
+                    <a:srgbClr val="000000">
+                      <a:alpha val="43137"/>
+                    </a:srgbClr>
+                  </a:outerShdw>
+                </a:effectLst>
+                <a:latin typeface="Consolas" pitchFamily="49" charset="0"/>
+                <a:cs typeface="Consolas" pitchFamily="49" charset="0"/>
+              </a:rPr>
+              <a:t>log_reg.php</a:t>
+            </a:r>
+            <a:endParaRPr lang="ru-RU" sz="3600" dirty="0">
+              <a:solidFill>
+                <a:schemeClr val="tx2">
+                  <a:lumMod val="25000"/>
+                </a:schemeClr>
+              </a:solidFill>
+              <a:effectLst>
+                <a:outerShdw blurRad="38100" dist="38100" dir="2700000" algn="tl">
+                  <a:srgbClr val="000000">
+                    <a:alpha val="43137"/>
+                  </a:srgbClr>
+                </a:outerShdw>
+              </a:effectLst>
+              <a:latin typeface="Consolas" pitchFamily="49" charset="0"/>
+              <a:cs typeface="Consolas" pitchFamily="49" charset="0"/>
+            </a:endParaRPr>
+          </a:p>
+          <a:p>
+            <a:pPr algn="r"/>
+            <a:r>
+              <a:rPr lang="ru-RU" sz="3600" dirty="0" err="1">
+                <a:solidFill>
+                  <a:schemeClr val="tx2">
+                    <a:lumMod val="25000"/>
+                  </a:schemeClr>
+                </a:solidFill>
+                <a:effectLst>
+                  <a:outerShdw blurRad="38100" dist="38100" dir="2700000" algn="tl">
+                    <a:srgbClr val="000000">
+                      <a:alpha val="43137"/>
+                    </a:srgbClr>
+                  </a:outerShdw>
+                </a:effectLst>
+                <a:latin typeface="Consolas" pitchFamily="49" charset="0"/>
+                <a:cs typeface="Consolas" pitchFamily="49" charset="0"/>
+              </a:rPr>
+              <a:t>login-hello.tpl</a:t>
+            </a:r>
+            <a:endParaRPr lang="ru-RU" sz="3600" dirty="0">
+              <a:solidFill>
+                <a:schemeClr val="tx2">
+                  <a:lumMod val="25000"/>
+                </a:schemeClr>
+              </a:solidFill>
+              <a:effectLst>
+                <a:outerShdw blurRad="38100" dist="38100" dir="2700000" algn="tl">
+                  <a:srgbClr val="000000">
+                    <a:alpha val="43137"/>
+                  </a:srgbClr>
+                </a:outerShdw>
+              </a:effectLst>
+              <a:latin typeface="Consolas" pitchFamily="49" charset="0"/>
+              <a:cs typeface="Consolas" pitchFamily="49" charset="0"/>
+            </a:endParaRPr>
+          </a:p>
+          <a:p>
+            <a:pPr algn="r"/>
+            <a:r>
+              <a:rPr lang="ru-RU" sz="3600" dirty="0" err="1" smtClean="0">
+                <a:solidFill>
+                  <a:schemeClr val="tx2">
+                    <a:lumMod val="25000"/>
+                  </a:schemeClr>
+                </a:solidFill>
+                <a:effectLst>
+                  <a:outerShdw blurRad="38100" dist="38100" dir="2700000" algn="tl">
+                    <a:srgbClr val="000000">
+                      <a:alpha val="43137"/>
+                    </a:srgbClr>
+                  </a:outerShdw>
+                </a:effectLst>
+                <a:latin typeface="Consolas" pitchFamily="49" charset="0"/>
+                <a:cs typeface="Consolas" pitchFamily="49" charset="0"/>
+              </a:rPr>
+              <a:t>login-form.tpl</a:t>
+            </a:r>
+            <a:endParaRPr lang="ru-RU" sz="3600" dirty="0" smtClean="0">
+              <a:solidFill>
+                <a:schemeClr val="tx2">
+                  <a:lumMod val="25000"/>
+                </a:schemeClr>
+              </a:solidFill>
+              <a:effectLst>
+                <a:outerShdw blurRad="38100" dist="38100" dir="2700000" algn="tl">
+                  <a:srgbClr val="000000">
+                    <a:alpha val="43137"/>
+                  </a:srgbClr>
+                </a:outerShdw>
+              </a:effectLst>
+              <a:latin typeface="Consolas" pitchFamily="49" charset="0"/>
+              <a:cs typeface="Consolas" pitchFamily="49" charset="0"/>
+            </a:endParaRPr>
+          </a:p>
+        </p:txBody>
+      </p:sp>
     </p:spTree>
     <p:extLst>
       <p:ext uri="{BB962C8B-B14F-4D97-AF65-F5344CB8AC3E}">
-        <p14:creationId xmlns:p14="http://schemas.microsoft.com/office/powerpoint/2010/main" val="3186201731"/>
+        <p14:creationId xmlns:p14="http://schemas.microsoft.com/office/powerpoint/2010/main" val="91509198"/>
       </p:ext>
     </p:extLst>
   </p:cSld>
@@ -5544,9 +7856,319 @@
   <p:timing>
     <p:tnLst>
       <p:par>
-        <p:cTn id="1" dur="indefinite" restart="never" nodeType="tmRoot"/>
+        <p:cTn id="1" dur="indefinite" restart="never" nodeType="tmRoot">
+          <p:childTnLst>
+            <p:seq concurrent="1" nextAc="seek">
+              <p:cTn id="2" dur="indefinite" nodeType="mainSeq">
+                <p:childTnLst>
+                  <p:par>
+                    <p:cTn id="3" fill="hold">
+                      <p:stCondLst>
+                        <p:cond delay="indefinite"/>
+                      </p:stCondLst>
+                      <p:childTnLst>
+                        <p:par>
+                          <p:cTn id="4" fill="hold">
+                            <p:stCondLst>
+                              <p:cond delay="0"/>
+                            </p:stCondLst>
+                            <p:childTnLst>
+                              <p:par>
+                                <p:cTn id="5" presetID="10" presetClass="entr" presetSubtype="0" fill="hold" grpId="0" nodeType="clickEffect">
+                                  <p:stCondLst>
+                                    <p:cond delay="0"/>
+                                  </p:stCondLst>
+                                  <p:childTnLst>
+                                    <p:set>
+                                      <p:cBhvr>
+                                        <p:cTn id="6" dur="1" fill="hold">
+                                          <p:stCondLst>
+                                            <p:cond delay="0"/>
+                                          </p:stCondLst>
+                                        </p:cTn>
+                                        <p:tgtEl>
+                                          <p:spTgt spid="5"/>
+                                        </p:tgtEl>
+                                        <p:attrNameLst>
+                                          <p:attrName>style.visibility</p:attrName>
+                                        </p:attrNameLst>
+                                      </p:cBhvr>
+                                      <p:to>
+                                        <p:strVal val="visible"/>
+                                      </p:to>
+                                    </p:set>
+                                    <p:animEffect transition="in" filter="fade">
+                                      <p:cBhvr>
+                                        <p:cTn id="7" dur="500"/>
+                                        <p:tgtEl>
+                                          <p:spTgt spid="5"/>
+                                        </p:tgtEl>
+                                      </p:cBhvr>
+                                    </p:animEffect>
+                                  </p:childTnLst>
+                                </p:cTn>
+                              </p:par>
+                              <p:par>
+                                <p:cTn id="8" presetID="10" presetClass="entr" presetSubtype="0" fill="hold" nodeType="withEffect">
+                                  <p:stCondLst>
+                                    <p:cond delay="0"/>
+                                  </p:stCondLst>
+                                  <p:childTnLst>
+                                    <p:set>
+                                      <p:cBhvr>
+                                        <p:cTn id="9" dur="1" fill="hold">
+                                          <p:stCondLst>
+                                            <p:cond delay="0"/>
+                                          </p:stCondLst>
+                                        </p:cTn>
+                                        <p:tgtEl>
+                                          <p:spTgt spid="6146"/>
+                                        </p:tgtEl>
+                                        <p:attrNameLst>
+                                          <p:attrName>style.visibility</p:attrName>
+                                        </p:attrNameLst>
+                                      </p:cBhvr>
+                                      <p:to>
+                                        <p:strVal val="visible"/>
+                                      </p:to>
+                                    </p:set>
+                                    <p:animEffect transition="in" filter="fade">
+                                      <p:cBhvr>
+                                        <p:cTn id="10" dur="500"/>
+                                        <p:tgtEl>
+                                          <p:spTgt spid="6146"/>
+                                        </p:tgtEl>
+                                      </p:cBhvr>
+                                    </p:animEffect>
+                                  </p:childTnLst>
+                                </p:cTn>
+                              </p:par>
+                              <p:par>
+                                <p:cTn id="11" presetID="10" presetClass="entr" presetSubtype="0" fill="hold" grpId="0" nodeType="withEffect">
+                                  <p:stCondLst>
+                                    <p:cond delay="0"/>
+                                  </p:stCondLst>
+                                  <p:childTnLst>
+                                    <p:set>
+                                      <p:cBhvr>
+                                        <p:cTn id="12" dur="1" fill="hold">
+                                          <p:stCondLst>
+                                            <p:cond delay="0"/>
+                                          </p:stCondLst>
+                                        </p:cTn>
+                                        <p:tgtEl>
+                                          <p:spTgt spid="7"/>
+                                        </p:tgtEl>
+                                        <p:attrNameLst>
+                                          <p:attrName>style.visibility</p:attrName>
+                                        </p:attrNameLst>
+                                      </p:cBhvr>
+                                      <p:to>
+                                        <p:strVal val="visible"/>
+                                      </p:to>
+                                    </p:set>
+                                    <p:animEffect transition="in" filter="fade">
+                                      <p:cBhvr>
+                                        <p:cTn id="13" dur="500"/>
+                                        <p:tgtEl>
+                                          <p:spTgt spid="7"/>
+                                        </p:tgtEl>
+                                      </p:cBhvr>
+                                    </p:animEffect>
+                                  </p:childTnLst>
+                                </p:cTn>
+                              </p:par>
+                            </p:childTnLst>
+                          </p:cTn>
+                        </p:par>
+                      </p:childTnLst>
+                    </p:cTn>
+                  </p:par>
+                  <p:par>
+                    <p:cTn id="14" fill="hold">
+                      <p:stCondLst>
+                        <p:cond delay="indefinite"/>
+                      </p:stCondLst>
+                      <p:childTnLst>
+                        <p:par>
+                          <p:cTn id="15" fill="hold">
+                            <p:stCondLst>
+                              <p:cond delay="0"/>
+                            </p:stCondLst>
+                            <p:childTnLst>
+                              <p:par>
+                                <p:cTn id="16" presetID="10" presetClass="entr" presetSubtype="0" fill="hold" grpId="0" nodeType="clickEffect">
+                                  <p:stCondLst>
+                                    <p:cond delay="0"/>
+                                  </p:stCondLst>
+                                  <p:childTnLst>
+                                    <p:set>
+                                      <p:cBhvr>
+                                        <p:cTn id="17" dur="1" fill="hold">
+                                          <p:stCondLst>
+                                            <p:cond delay="0"/>
+                                          </p:stCondLst>
+                                        </p:cTn>
+                                        <p:tgtEl>
+                                          <p:spTgt spid="8"/>
+                                        </p:tgtEl>
+                                        <p:attrNameLst>
+                                          <p:attrName>style.visibility</p:attrName>
+                                        </p:attrNameLst>
+                                      </p:cBhvr>
+                                      <p:to>
+                                        <p:strVal val="visible"/>
+                                      </p:to>
+                                    </p:set>
+                                    <p:animEffect transition="in" filter="fade">
+                                      <p:cBhvr>
+                                        <p:cTn id="18" dur="500"/>
+                                        <p:tgtEl>
+                                          <p:spTgt spid="8"/>
+                                        </p:tgtEl>
+                                      </p:cBhvr>
+                                    </p:animEffect>
+                                  </p:childTnLst>
+                                </p:cTn>
+                              </p:par>
+                              <p:par>
+                                <p:cTn id="19" presetID="10" presetClass="entr" presetSubtype="0" fill="hold" nodeType="withEffect">
+                                  <p:stCondLst>
+                                    <p:cond delay="0"/>
+                                  </p:stCondLst>
+                                  <p:childTnLst>
+                                    <p:set>
+                                      <p:cBhvr>
+                                        <p:cTn id="20" dur="1" fill="hold">
+                                          <p:stCondLst>
+                                            <p:cond delay="0"/>
+                                          </p:stCondLst>
+                                        </p:cTn>
+                                        <p:tgtEl>
+                                          <p:spTgt spid="6147"/>
+                                        </p:tgtEl>
+                                        <p:attrNameLst>
+                                          <p:attrName>style.visibility</p:attrName>
+                                        </p:attrNameLst>
+                                      </p:cBhvr>
+                                      <p:to>
+                                        <p:strVal val="visible"/>
+                                      </p:to>
+                                    </p:set>
+                                    <p:animEffect transition="in" filter="fade">
+                                      <p:cBhvr>
+                                        <p:cTn id="21" dur="500"/>
+                                        <p:tgtEl>
+                                          <p:spTgt spid="6147"/>
+                                        </p:tgtEl>
+                                      </p:cBhvr>
+                                    </p:animEffect>
+                                  </p:childTnLst>
+                                </p:cTn>
+                              </p:par>
+                              <p:par>
+                                <p:cTn id="22" presetID="10" presetClass="entr" presetSubtype="0" fill="hold" nodeType="withEffect">
+                                  <p:stCondLst>
+                                    <p:cond delay="0"/>
+                                  </p:stCondLst>
+                                  <p:childTnLst>
+                                    <p:set>
+                                      <p:cBhvr>
+                                        <p:cTn id="23" dur="1" fill="hold">
+                                          <p:stCondLst>
+                                            <p:cond delay="0"/>
+                                          </p:stCondLst>
+                                        </p:cTn>
+                                        <p:tgtEl>
+                                          <p:spTgt spid="6148"/>
+                                        </p:tgtEl>
+                                        <p:attrNameLst>
+                                          <p:attrName>style.visibility</p:attrName>
+                                        </p:attrNameLst>
+                                      </p:cBhvr>
+                                      <p:to>
+                                        <p:strVal val="visible"/>
+                                      </p:to>
+                                    </p:set>
+                                    <p:animEffect transition="in" filter="fade">
+                                      <p:cBhvr>
+                                        <p:cTn id="24" dur="500"/>
+                                        <p:tgtEl>
+                                          <p:spTgt spid="6148"/>
+                                        </p:tgtEl>
+                                      </p:cBhvr>
+                                    </p:animEffect>
+                                  </p:childTnLst>
+                                </p:cTn>
+                              </p:par>
+                              <p:par>
+                                <p:cTn id="25" presetID="10" presetClass="entr" presetSubtype="0" fill="hold" grpId="0" nodeType="withEffect">
+                                  <p:stCondLst>
+                                    <p:cond delay="0"/>
+                                  </p:stCondLst>
+                                  <p:childTnLst>
+                                    <p:set>
+                                      <p:cBhvr>
+                                        <p:cTn id="26" dur="1" fill="hold">
+                                          <p:stCondLst>
+                                            <p:cond delay="0"/>
+                                          </p:stCondLst>
+                                        </p:cTn>
+                                        <p:tgtEl>
+                                          <p:spTgt spid="11"/>
+                                        </p:tgtEl>
+                                        <p:attrNameLst>
+                                          <p:attrName>style.visibility</p:attrName>
+                                        </p:attrNameLst>
+                                      </p:cBhvr>
+                                      <p:to>
+                                        <p:strVal val="visible"/>
+                                      </p:to>
+                                    </p:set>
+                                    <p:animEffect transition="in" filter="fade">
+                                      <p:cBhvr>
+                                        <p:cTn id="27" dur="500"/>
+                                        <p:tgtEl>
+                                          <p:spTgt spid="11"/>
+                                        </p:tgtEl>
+                                      </p:cBhvr>
+                                    </p:animEffect>
+                                  </p:childTnLst>
+                                </p:cTn>
+                              </p:par>
+                            </p:childTnLst>
+                          </p:cTn>
+                        </p:par>
+                      </p:childTnLst>
+                    </p:cTn>
+                  </p:par>
+                </p:childTnLst>
+              </p:cTn>
+              <p:prevCondLst>
+                <p:cond evt="onPrev" delay="0">
+                  <p:tgtEl>
+                    <p:sldTgt/>
+                  </p:tgtEl>
+                </p:cond>
+              </p:prevCondLst>
+              <p:nextCondLst>
+                <p:cond evt="onNext" delay="0">
+                  <p:tgtEl>
+                    <p:sldTgt/>
+                  </p:tgtEl>
+                </p:cond>
+              </p:nextCondLst>
+            </p:seq>
+          </p:childTnLst>
+        </p:cTn>
       </p:par>
     </p:tnLst>
+    <p:bldLst>
+      <p:bldP spid="5" grpId="0"/>
+      <p:bldP spid="7" grpId="0"/>
+      <p:bldP spid="8" grpId="0"/>
+      <p:bldP spid="11" grpId="0"/>
+    </p:bldLst>
   </p:timing>
 </p:sld>
 </file>

--- a/!docs/Presentation (Statsenko).pptx
+++ b/!docs/Presentation (Statsenko).pptx
@@ -4197,7 +4197,7 @@
           <a:graphicData uri="http://schemas.openxmlformats.org/presentationml/2006/ole">
             <mc:AlternateContent xmlns:mc="http://schemas.openxmlformats.org/markup-compatibility/2006">
               <mc:Choice xmlns:v="urn:schemas-microsoft-com:vml" Requires="v">
-                <p:oleObj spid="_x0000_s7173" name="Visio" r:id="rId5" imgW="8507567" imgH="4181220" progId="Visio.Drawing.11">
+                <p:oleObj spid="_x0000_s7175" name="Visio" r:id="rId5" imgW="8507567" imgH="4181220" progId="Visio.Drawing.11">
                   <p:embed/>
                 </p:oleObj>
               </mc:Choice>
@@ -4303,6 +4303,59 @@
                       </p:childTnLst>
                     </p:cTn>
                   </p:par>
+                  <p:par>
+                    <p:cTn id="8" fill="hold">
+                      <p:stCondLst>
+                        <p:cond delay="indefinite"/>
+                      </p:stCondLst>
+                      <p:childTnLst>
+                        <p:par>
+                          <p:cTn id="9" fill="hold">
+                            <p:stCondLst>
+                              <p:cond delay="0"/>
+                            </p:stCondLst>
+                            <p:childTnLst>
+                              <p:par>
+                                <p:cTn id="10" presetID="10" presetClass="entr" presetSubtype="0" fill="hold" nodeType="clickEffect">
+                                  <p:stCondLst>
+                                    <p:cond delay="0"/>
+                                  </p:stCondLst>
+                                  <p:childTnLst>
+                                    <p:set>
+                                      <p:cBhvr>
+                                        <p:cTn id="11" dur="1" fill="hold">
+                                          <p:stCondLst>
+                                            <p:cond delay="0"/>
+                                          </p:stCondLst>
+                                        </p:cTn>
+                                        <p:tgtEl>
+                                          <p:spTgt spid="6"/>
+                                        </p:tgtEl>
+                                        <p:attrNameLst>
+                                          <p:attrName>style.visibility</p:attrName>
+                                        </p:attrNameLst>
+                                      </p:cBhvr>
+                                      <p:to>
+                                        <p:strVal val="visible"/>
+                                      </p:to>
+                                    </p:set>
+                                    <p:animEffect transition="in" filter="fade">
+                                      <p:cBhvr>
+                                        <p:cTn id="12" dur="500"/>
+                                        <p:tgtEl>
+                                          <p:spTgt spid="6"/>
+                                        </p:tgtEl>
+                                      </p:cBhvr>
+                                    </p:animEffect>
+                                  </p:childTnLst>
+                                </p:cTn>
+                              </p:par>
+                            </p:childTnLst>
+                          </p:cTn>
+                        </p:par>
+                      </p:childTnLst>
+                    </p:cTn>
+                  </p:par>
                 </p:childTnLst>
               </p:cTn>
               <p:prevCondLst>
@@ -4880,22 +4933,6 @@
               </a:rPr>
               <a:t>сообщения</a:t>
             </a:r>
-            <a:endParaRPr lang="ru-RU" sz="3200" dirty="0" smtClean="0">
-              <a:solidFill>
-                <a:schemeClr val="tx2">
-                  <a:lumMod val="25000"/>
-                </a:schemeClr>
-              </a:solidFill>
-              <a:effectLst>
-                <a:outerShdw blurRad="38100" dist="38100" dir="2700000" algn="tl">
-                  <a:srgbClr val="000000">
-                    <a:alpha val="43137"/>
-                  </a:srgbClr>
-                </a:outerShdw>
-              </a:effectLst>
-              <a:latin typeface="Calibri" pitchFamily="34" charset="0"/>
-              <a:cs typeface="Calibri" pitchFamily="34" charset="0"/>
-            </a:endParaRPr>
           </a:p>
           <a:p>
             <a:pPr marL="571500" indent="-571500">
@@ -4924,22 +4961,6 @@
               </a:rPr>
               <a:t>информация: тема, содержание, автор, время</a:t>
             </a:r>
-            <a:endParaRPr lang="ru-RU" sz="3200" dirty="0" smtClean="0">
-              <a:solidFill>
-                <a:schemeClr val="tx2">
-                  <a:lumMod val="25000"/>
-                </a:schemeClr>
-              </a:solidFill>
-              <a:effectLst>
-                <a:outerShdw blurRad="38100" dist="38100" dir="2700000" algn="tl">
-                  <a:srgbClr val="000000">
-                    <a:alpha val="43137"/>
-                  </a:srgbClr>
-                </a:outerShdw>
-              </a:effectLst>
-              <a:latin typeface="Calibri" pitchFamily="34" charset="0"/>
-              <a:cs typeface="Calibri" pitchFamily="34" charset="0"/>
-            </a:endParaRPr>
           </a:p>
           <a:p>
             <a:pPr marL="571500" indent="-571500">
@@ -4968,22 +4989,6 @@
               </a:rPr>
               <a:t>механизмы обеспечения порядка в дискуссиях</a:t>
             </a:r>
-            <a:endParaRPr lang="ru-RU" sz="3200" dirty="0" smtClean="0">
-              <a:solidFill>
-                <a:schemeClr val="tx2">
-                  <a:lumMod val="25000"/>
-                </a:schemeClr>
-              </a:solidFill>
-              <a:effectLst>
-                <a:outerShdw blurRad="38100" dist="38100" dir="2700000" algn="tl">
-                  <a:srgbClr val="000000">
-                    <a:alpha val="43137"/>
-                  </a:srgbClr>
-                </a:outerShdw>
-              </a:effectLst>
-              <a:latin typeface="Calibri" pitchFamily="34" charset="0"/>
-              <a:cs typeface="Calibri" pitchFamily="34" charset="0"/>
-            </a:endParaRPr>
           </a:p>
           <a:p>
             <a:pPr marL="571500" indent="-571500">
@@ -5068,22 +5073,6 @@
               </a:rPr>
               <a:t>отсутствие динамики «реального времени»</a:t>
             </a:r>
-            <a:endParaRPr lang="ru-RU" sz="3200" dirty="0" smtClean="0">
-              <a:solidFill>
-                <a:schemeClr val="tx2">
-                  <a:lumMod val="25000"/>
-                </a:schemeClr>
-              </a:solidFill>
-              <a:effectLst>
-                <a:outerShdw blurRad="38100" dist="38100" dir="2700000" algn="tl">
-                  <a:srgbClr val="000000">
-                    <a:alpha val="43137"/>
-                  </a:srgbClr>
-                </a:outerShdw>
-              </a:effectLst>
-              <a:latin typeface="Calibri" pitchFamily="34" charset="0"/>
-              <a:cs typeface="Calibri" pitchFamily="34" charset="0"/>
-            </a:endParaRPr>
           </a:p>
         </p:txBody>
       </p:sp>
@@ -5492,7 +5481,7 @@
           <a:graphicData uri="http://schemas.openxmlformats.org/presentationml/2006/ole">
             <mc:AlternateContent xmlns:mc="http://schemas.openxmlformats.org/markup-compatibility/2006">
               <mc:Choice xmlns:v="urn:schemas-microsoft-com:vml" Requires="v">
-                <p:oleObj spid="_x0000_s1062" name="Visio" r:id="rId5" imgW="3846693" imgH="4746600" progId="Visio.Drawing.11">
+                <p:oleObj spid="_x0000_s1064" name="Visio" r:id="rId5" imgW="3846693" imgH="4746600" progId="Visio.Drawing.11">
                   <p:embed/>
                 </p:oleObj>
               </mc:Choice>
@@ -5926,7 +5915,7 @@
           <a:graphicData uri="http://schemas.openxmlformats.org/presentationml/2006/ole">
             <mc:AlternateContent xmlns:mc="http://schemas.openxmlformats.org/markup-compatibility/2006">
               <mc:Choice xmlns:v="urn:schemas-microsoft-com:vml" Requires="v">
-                <p:oleObj spid="_x0000_s2090" name="Visio" r:id="rId5" imgW="4714900" imgH="3406320" progId="Visio.Drawing.11">
+                <p:oleObj spid="_x0000_s2094" name="Visio" r:id="rId5" imgW="4714900" imgH="3406320" progId="Visio.Drawing.11">
                   <p:embed/>
                 </p:oleObj>
               </mc:Choice>
@@ -5983,7 +5972,7 @@
           <a:graphicData uri="http://schemas.openxmlformats.org/presentationml/2006/ole">
             <mc:AlternateContent xmlns:mc="http://schemas.openxmlformats.org/markup-compatibility/2006">
               <mc:Choice xmlns:v="urn:schemas-microsoft-com:vml" Requires="v">
-                <p:oleObj spid="_x0000_s2091" name="Visio" r:id="rId7" imgW="3455000" imgH="3946320" progId="Visio.Drawing.11">
+                <p:oleObj spid="_x0000_s2095" name="Visio" r:id="rId7" imgW="3455000" imgH="3946320" progId="Visio.Drawing.11">
                   <p:embed/>
                 </p:oleObj>
               </mc:Choice>
@@ -6501,7 +6490,7 @@
           <a:graphicData uri="http://schemas.openxmlformats.org/presentationml/2006/ole">
             <mc:AlternateContent xmlns:mc="http://schemas.openxmlformats.org/markup-compatibility/2006">
               <mc:Choice xmlns:v="urn:schemas-microsoft-com:vml" Requires="v">
-                <p:oleObj spid="_x0000_s3082" name="Visio" r:id="rId5" imgW="7234971" imgH="5531760" progId="Visio.Drawing.11">
+                <p:oleObj spid="_x0000_s3084" name="Visio" r:id="rId5" imgW="7234971" imgH="5531760" progId="Visio.Drawing.11">
                   <p:embed/>
                 </p:oleObj>
               </mc:Choice>
@@ -6835,7 +6824,7 @@
           <a:graphicData uri="http://schemas.openxmlformats.org/presentationml/2006/ole">
             <mc:AlternateContent xmlns:mc="http://schemas.openxmlformats.org/markup-compatibility/2006">
               <mc:Choice xmlns:v="urn:schemas-microsoft-com:vml" Requires="v">
-                <p:oleObj spid="_x0000_s4105" name="Visio" r:id="rId5" imgW="7954875" imgH="3843720" progId="Visio.Drawing.11">
+                <p:oleObj spid="_x0000_s4107" name="Visio" r:id="rId5" imgW="7954875" imgH="3843720" progId="Visio.Drawing.11">
                   <p:embed/>
                 </p:oleObj>
               </mc:Choice>
@@ -7088,7 +7077,7 @@
           <a:graphicData uri="http://schemas.openxmlformats.org/presentationml/2006/ole">
             <mc:AlternateContent xmlns:mc="http://schemas.openxmlformats.org/markup-compatibility/2006">
               <mc:Choice xmlns:v="urn:schemas-microsoft-com:vml" Requires="v">
-                <p:oleObj spid="_x0000_s5129" name="Visio" r:id="rId5" imgW="8675049" imgH="4026240" progId="Visio.Drawing.11">
+                <p:oleObj spid="_x0000_s5131" name="Visio" r:id="rId5" imgW="8675049" imgH="4026240" progId="Visio.Drawing.11">
                   <p:embed/>
                 </p:oleObj>
               </mc:Choice>
@@ -7238,26 +7227,7 @@
                 <a:latin typeface="Calibri" pitchFamily="34" charset="0"/>
                 <a:cs typeface="Calibri" pitchFamily="34" charset="0"/>
               </a:rPr>
-              <a:t>Модули </a:t>
-            </a:r>
-            <a:r>
-              <a:rPr lang="ru-RU" sz="4800" dirty="0" smtClean="0">
-                <a:solidFill>
-                  <a:schemeClr val="tx2">
-                    <a:lumMod val="25000"/>
-                  </a:schemeClr>
-                </a:solidFill>
-                <a:effectLst>
-                  <a:outerShdw blurRad="38100" dist="38100" dir="2700000" algn="tl">
-                    <a:srgbClr val="000000">
-                      <a:alpha val="43137"/>
-                    </a:srgbClr>
-                  </a:outerShdw>
-                </a:effectLst>
-                <a:latin typeface="Calibri" pitchFamily="34" charset="0"/>
-                <a:cs typeface="Calibri" pitchFamily="34" charset="0"/>
-              </a:rPr>
-              <a:t>веб-приложения</a:t>
+              <a:t>Модули веб-приложения</a:t>
             </a:r>
             <a:endParaRPr lang="ru-RU" sz="4800" dirty="0">
               <a:solidFill>
@@ -7538,26 +7508,7 @@
                 <a:latin typeface="Calibri" pitchFamily="34" charset="0"/>
                 <a:cs typeface="Calibri" pitchFamily="34" charset="0"/>
               </a:rPr>
-              <a:t>Модуль </a:t>
-            </a:r>
-            <a:r>
-              <a:rPr lang="ru-RU" sz="3600" dirty="0" smtClean="0">
-                <a:solidFill>
-                  <a:schemeClr val="tx2">
-                    <a:lumMod val="25000"/>
-                  </a:schemeClr>
-                </a:solidFill>
-                <a:effectLst>
-                  <a:outerShdw blurRad="38100" dist="38100" dir="2700000" algn="tl">
-                    <a:srgbClr val="000000">
-                      <a:alpha val="43137"/>
-                    </a:srgbClr>
-                  </a:outerShdw>
-                </a:effectLst>
-                <a:latin typeface="Calibri" pitchFamily="34" charset="0"/>
-                <a:cs typeface="Calibri" pitchFamily="34" charset="0"/>
-              </a:rPr>
-              <a:t>авторизации</a:t>
+              <a:t>Модуль авторизации</a:t>
             </a:r>
             <a:endParaRPr lang="ru-RU" sz="3600" dirty="0">
               <a:solidFill>

--- a/!docs/Presentation (Statsenko).pptx
+++ b/!docs/Presentation (Statsenko).pptx
@@ -385,7 +385,7 @@
           <a:p>
             <a:fld id="{F34D2577-27A9-48D8-B09C-5DF8AFE9C2EC}" type="datetimeFigureOut">
               <a:rPr lang="ru-RU" smtClean="0"/>
-              <a:t>31.05.2012</a:t>
+              <a:t>01.06.2012</a:t>
             </a:fld>
             <a:endParaRPr lang="ru-RU"/>
           </a:p>
@@ -555,7 +555,7 @@
           <a:p>
             <a:fld id="{F34D2577-27A9-48D8-B09C-5DF8AFE9C2EC}" type="datetimeFigureOut">
               <a:rPr lang="ru-RU" smtClean="0"/>
-              <a:t>31.05.2012</a:t>
+              <a:t>01.06.2012</a:t>
             </a:fld>
             <a:endParaRPr lang="ru-RU"/>
           </a:p>
@@ -730,7 +730,7 @@
           <a:p>
             <a:fld id="{F34D2577-27A9-48D8-B09C-5DF8AFE9C2EC}" type="datetimeFigureOut">
               <a:rPr lang="ru-RU" smtClean="0"/>
-              <a:t>31.05.2012</a:t>
+              <a:t>01.06.2012</a:t>
             </a:fld>
             <a:endParaRPr lang="ru-RU"/>
           </a:p>
@@ -895,7 +895,7 @@
           <a:p>
             <a:fld id="{F34D2577-27A9-48D8-B09C-5DF8AFE9C2EC}" type="datetimeFigureOut">
               <a:rPr lang="ru-RU" smtClean="0"/>
-              <a:t>31.05.2012</a:t>
+              <a:t>01.06.2012</a:t>
             </a:fld>
             <a:endParaRPr lang="ru-RU"/>
           </a:p>
@@ -1152,7 +1152,7 @@
           <a:p>
             <a:fld id="{F34D2577-27A9-48D8-B09C-5DF8AFE9C2EC}" type="datetimeFigureOut">
               <a:rPr lang="ru-RU" smtClean="0"/>
-              <a:t>31.05.2012</a:t>
+              <a:t>01.06.2012</a:t>
             </a:fld>
             <a:endParaRPr lang="ru-RU"/>
           </a:p>
@@ -1292,7 +1292,7 @@
           <a:p>
             <a:fld id="{F34D2577-27A9-48D8-B09C-5DF8AFE9C2EC}" type="datetimeFigureOut">
               <a:rPr lang="ru-RU" smtClean="0"/>
-              <a:t>31.05.2012</a:t>
+              <a:t>01.06.2012</a:t>
             </a:fld>
             <a:endParaRPr lang="ru-RU"/>
           </a:p>
@@ -1942,7 +1942,7 @@
           <a:p>
             <a:fld id="{F34D2577-27A9-48D8-B09C-5DF8AFE9C2EC}" type="datetimeFigureOut">
               <a:rPr lang="ru-RU" smtClean="0"/>
-              <a:t>31.05.2012</a:t>
+              <a:t>01.06.2012</a:t>
             </a:fld>
             <a:endParaRPr lang="ru-RU"/>
           </a:p>
@@ -2055,7 +2055,7 @@
           <a:p>
             <a:fld id="{F34D2577-27A9-48D8-B09C-5DF8AFE9C2EC}" type="datetimeFigureOut">
               <a:rPr lang="ru-RU" smtClean="0"/>
-              <a:t>31.05.2012</a:t>
+              <a:t>01.06.2012</a:t>
             </a:fld>
             <a:endParaRPr lang="ru-RU"/>
           </a:p>
@@ -2145,7 +2145,7 @@
           <a:p>
             <a:fld id="{F34D2577-27A9-48D8-B09C-5DF8AFE9C2EC}" type="datetimeFigureOut">
               <a:rPr lang="ru-RU" smtClean="0"/>
-              <a:t>31.05.2012</a:t>
+              <a:t>01.06.2012</a:t>
             </a:fld>
             <a:endParaRPr lang="ru-RU"/>
           </a:p>
@@ -2435,7 +2435,7 @@
           <a:p>
             <a:fld id="{F34D2577-27A9-48D8-B09C-5DF8AFE9C2EC}" type="datetimeFigureOut">
               <a:rPr lang="ru-RU" smtClean="0"/>
-              <a:t>31.05.2012</a:t>
+              <a:t>01.06.2012</a:t>
             </a:fld>
             <a:endParaRPr lang="ru-RU"/>
           </a:p>
@@ -2758,7 +2758,7 @@
           <a:p>
             <a:fld id="{F34D2577-27A9-48D8-B09C-5DF8AFE9C2EC}" type="datetimeFigureOut">
               <a:rPr lang="ru-RU" smtClean="0"/>
-              <a:t>31.05.2012</a:t>
+              <a:t>01.06.2012</a:t>
             </a:fld>
             <a:endParaRPr lang="ru-RU"/>
           </a:p>
@@ -3215,7 +3215,7 @@
           <a:p>
             <a:fld id="{F34D2577-27A9-48D8-B09C-5DF8AFE9C2EC}" type="datetimeFigureOut">
               <a:rPr lang="ru-RU" smtClean="0"/>
-              <a:t>31.05.2012</a:t>
+              <a:t>01.06.2012</a:t>
             </a:fld>
             <a:endParaRPr lang="ru-RU"/>
           </a:p>
@@ -3803,7 +3803,7 @@
                 <a:latin typeface="Calibri" pitchFamily="34" charset="0"/>
                 <a:cs typeface="Calibri" pitchFamily="34" charset="0"/>
               </a:rPr>
-              <a:t>Проектирование и разработка системы управления контентом веб-приложения (</a:t>
+              <a:t>Проектирование и разработка системы управления контентом </a:t>
             </a:r>
             <a:r>
               <a:rPr lang="en-US" sz="4800" dirty="0" smtClean="0">
@@ -3822,7 +3822,26 @@
                 <a:latin typeface="Calibri" pitchFamily="34" charset="0"/>
                 <a:cs typeface="Calibri" pitchFamily="34" charset="0"/>
               </a:rPr>
-              <a:t>CMS) </a:t>
+              <a:t>(CMS) </a:t>
+            </a:r>
+            <a:r>
+              <a:rPr lang="ru-RU" sz="4800" dirty="0" err="1" smtClean="0">
+                <a:solidFill>
+                  <a:schemeClr val="tx2">
+                    <a:lumMod val="25000"/>
+                  </a:schemeClr>
+                </a:solidFill>
+                <a:effectLst>
+                  <a:outerShdw blurRad="38100" dist="38100" dir="2700000" algn="tl">
+                    <a:srgbClr val="000000">
+                      <a:alpha val="43137"/>
+                    </a:srgbClr>
+                  </a:outerShdw>
+                </a:effectLst>
+                <a:latin typeface="Calibri" pitchFamily="34" charset="0"/>
+                <a:cs typeface="Calibri" pitchFamily="34" charset="0"/>
+              </a:rPr>
+              <a:t>форумного</a:t>
             </a:r>
             <a:r>
               <a:rPr lang="ru-RU" sz="4800" dirty="0" smtClean="0">
@@ -3841,7 +3860,7 @@
                 <a:latin typeface="Calibri" pitchFamily="34" charset="0"/>
                 <a:cs typeface="Calibri" pitchFamily="34" charset="0"/>
               </a:rPr>
-              <a:t>в виде веб-форума</a:t>
+              <a:t> веб-сайта</a:t>
             </a:r>
             <a:endParaRPr lang="ru-RU" sz="4800" dirty="0">
               <a:solidFill>
@@ -4197,7 +4216,7 @@
           <a:graphicData uri="http://schemas.openxmlformats.org/presentationml/2006/ole">
             <mc:AlternateContent xmlns:mc="http://schemas.openxmlformats.org/markup-compatibility/2006">
               <mc:Choice xmlns:v="urn:schemas-microsoft-com:vml" Requires="v">
-                <p:oleObj spid="_x0000_s7175" name="Visio" r:id="rId5" imgW="8507567" imgH="4181220" progId="Visio.Drawing.11">
+                <p:oleObj spid="_x0000_s7178" name="Visio" r:id="rId5" imgW="8507567" imgH="4181220" progId="Visio.Drawing.11">
                   <p:embed/>
                 </p:oleObj>
               </mc:Choice>
@@ -4565,8 +4584,43 @@
                 <a:latin typeface="Calibri" pitchFamily="34" charset="0"/>
                 <a:cs typeface="Calibri" pitchFamily="34" charset="0"/>
               </a:rPr>
-              <a:t>информационные ресурсы</a:t>
-            </a:r>
+              <a:t>информационные </a:t>
+            </a:r>
+            <a:r>
+              <a:rPr lang="ru-RU" sz="3600" dirty="0" smtClean="0">
+                <a:solidFill>
+                  <a:schemeClr val="tx2">
+                    <a:lumMod val="25000"/>
+                  </a:schemeClr>
+                </a:solidFill>
+                <a:effectLst>
+                  <a:outerShdw blurRad="38100" dist="38100" dir="2700000" algn="tl">
+                    <a:srgbClr val="000000">
+                      <a:alpha val="43137"/>
+                    </a:srgbClr>
+                  </a:outerShdw>
+                </a:effectLst>
+                <a:latin typeface="Calibri" pitchFamily="34" charset="0"/>
+                <a:cs typeface="Calibri" pitchFamily="34" charset="0"/>
+              </a:rPr>
+              <a:t>ресурсы</a:t>
+            </a:r>
+            <a:endParaRPr lang="ru-RU" sz="3600" dirty="0" smtClean="0">
+              <a:solidFill>
+                <a:schemeClr val="tx2">
+                  <a:lumMod val="25000"/>
+                </a:schemeClr>
+              </a:solidFill>
+              <a:effectLst>
+                <a:outerShdw blurRad="38100" dist="38100" dir="2700000" algn="tl">
+                  <a:srgbClr val="000000">
+                    <a:alpha val="43137"/>
+                  </a:srgbClr>
+                </a:outerShdw>
+              </a:effectLst>
+              <a:latin typeface="Calibri" pitchFamily="34" charset="0"/>
+              <a:cs typeface="Calibri" pitchFamily="34" charset="0"/>
+            </a:endParaRPr>
           </a:p>
           <a:p>
             <a:pPr marL="571500" indent="-571500">
@@ -4595,6 +4649,22 @@
               </a:rPr>
               <a:t>интернет-представительства</a:t>
             </a:r>
+            <a:endParaRPr lang="ru-RU" sz="3600" dirty="0" smtClean="0">
+              <a:solidFill>
+                <a:schemeClr val="tx2">
+                  <a:lumMod val="25000"/>
+                </a:schemeClr>
+              </a:solidFill>
+              <a:effectLst>
+                <a:outerShdw blurRad="38100" dist="38100" dir="2700000" algn="tl">
+                  <a:srgbClr val="000000">
+                    <a:alpha val="43137"/>
+                  </a:srgbClr>
+                </a:outerShdw>
+              </a:effectLst>
+              <a:latin typeface="Calibri" pitchFamily="34" charset="0"/>
+              <a:cs typeface="Calibri" pitchFamily="34" charset="0"/>
+            </a:endParaRPr>
           </a:p>
           <a:p>
             <a:pPr marL="571500" indent="-571500">
@@ -5481,7 +5551,7 @@
           <a:graphicData uri="http://schemas.openxmlformats.org/presentationml/2006/ole">
             <mc:AlternateContent xmlns:mc="http://schemas.openxmlformats.org/markup-compatibility/2006">
               <mc:Choice xmlns:v="urn:schemas-microsoft-com:vml" Requires="v">
-                <p:oleObj spid="_x0000_s1064" name="Visio" r:id="rId5" imgW="3846693" imgH="4746600" progId="Visio.Drawing.11">
+                <p:oleObj spid="_x0000_s1067" name="Visio" r:id="rId5" imgW="3846693" imgH="4746600" progId="Visio.Drawing.11">
                   <p:embed/>
                 </p:oleObj>
               </mc:Choice>
@@ -5915,7 +5985,7 @@
           <a:graphicData uri="http://schemas.openxmlformats.org/presentationml/2006/ole">
             <mc:AlternateContent xmlns:mc="http://schemas.openxmlformats.org/markup-compatibility/2006">
               <mc:Choice xmlns:v="urn:schemas-microsoft-com:vml" Requires="v">
-                <p:oleObj spid="_x0000_s2094" name="Visio" r:id="rId5" imgW="4714900" imgH="3406320" progId="Visio.Drawing.11">
+                <p:oleObj spid="_x0000_s2100" name="Visio" r:id="rId5" imgW="4714900" imgH="3406320" progId="Visio.Drawing.11">
                   <p:embed/>
                 </p:oleObj>
               </mc:Choice>
@@ -5972,7 +6042,7 @@
           <a:graphicData uri="http://schemas.openxmlformats.org/presentationml/2006/ole">
             <mc:AlternateContent xmlns:mc="http://schemas.openxmlformats.org/markup-compatibility/2006">
               <mc:Choice xmlns:v="urn:schemas-microsoft-com:vml" Requires="v">
-                <p:oleObj spid="_x0000_s2095" name="Visio" r:id="rId7" imgW="3455000" imgH="3946320" progId="Visio.Drawing.11">
+                <p:oleObj spid="_x0000_s2101" name="Visio" r:id="rId7" imgW="3455000" imgH="3946320" progId="Visio.Drawing.11">
                   <p:embed/>
                 </p:oleObj>
               </mc:Choice>
@@ -6490,7 +6560,7 @@
           <a:graphicData uri="http://schemas.openxmlformats.org/presentationml/2006/ole">
             <mc:AlternateContent xmlns:mc="http://schemas.openxmlformats.org/markup-compatibility/2006">
               <mc:Choice xmlns:v="urn:schemas-microsoft-com:vml" Requires="v">
-                <p:oleObj spid="_x0000_s3084" name="Visio" r:id="rId5" imgW="7234971" imgH="5531760" progId="Visio.Drawing.11">
+                <p:oleObj spid="_x0000_s3087" name="Visio" r:id="rId5" imgW="7234971" imgH="5531760" progId="Visio.Drawing.11">
                   <p:embed/>
                 </p:oleObj>
               </mc:Choice>
@@ -6824,7 +6894,7 @@
           <a:graphicData uri="http://schemas.openxmlformats.org/presentationml/2006/ole">
             <mc:AlternateContent xmlns:mc="http://schemas.openxmlformats.org/markup-compatibility/2006">
               <mc:Choice xmlns:v="urn:schemas-microsoft-com:vml" Requires="v">
-                <p:oleObj spid="_x0000_s4107" name="Visio" r:id="rId5" imgW="7954875" imgH="3843720" progId="Visio.Drawing.11">
+                <p:oleObj spid="_x0000_s4110" name="Visio" r:id="rId5" imgW="7954875" imgH="3843720" progId="Visio.Drawing.11">
                   <p:embed/>
                 </p:oleObj>
               </mc:Choice>
@@ -7077,7 +7147,7 @@
           <a:graphicData uri="http://schemas.openxmlformats.org/presentationml/2006/ole">
             <mc:AlternateContent xmlns:mc="http://schemas.openxmlformats.org/markup-compatibility/2006">
               <mc:Choice xmlns:v="urn:schemas-microsoft-com:vml" Requires="v">
-                <p:oleObj spid="_x0000_s5131" name="Visio" r:id="rId5" imgW="8675049" imgH="4026240" progId="Visio.Drawing.11">
+                <p:oleObj spid="_x0000_s5134" name="Visio" r:id="rId5" imgW="8675049" imgH="4026240" progId="Visio.Drawing.11">
                   <p:embed/>
                 </p:oleObj>
               </mc:Choice>

--- a/!docs/Presentation (Statsenko).pptx
+++ b/!docs/Presentation (Statsenko).pptx
@@ -15,6 +15,7 @@
     <p:sldId id="263" r:id="rId9"/>
     <p:sldId id="264" r:id="rId10"/>
     <p:sldId id="265" r:id="rId11"/>
+    <p:sldId id="266" r:id="rId12"/>
   </p:sldIdLst>
   <p:sldSz cx="9144000" cy="6858000" type="screen4x3"/>
   <p:notesSz cx="6858000" cy="9144000"/>
@@ -142,6 +143,11 @@
             <p14:sldId id="265"/>
           </p14:sldIdLst>
         </p14:section>
+        <p14:section name="11. Заключение" id="{1457F40A-26B8-4D1B-9D6E-ED31B952BE68}">
+          <p14:sldIdLst>
+            <p14:sldId id="266"/>
+          </p14:sldIdLst>
+        </p14:section>
       </p14:sectionLst>
     </p:ext>
   </p:extLst>
@@ -385,7 +391,7 @@
           <a:p>
             <a:fld id="{F34D2577-27A9-48D8-B09C-5DF8AFE9C2EC}" type="datetimeFigureOut">
               <a:rPr lang="ru-RU" smtClean="0"/>
-              <a:t>01.06.2012</a:t>
+              <a:t>03.06.2012</a:t>
             </a:fld>
             <a:endParaRPr lang="ru-RU"/>
           </a:p>
@@ -555,7 +561,7 @@
           <a:p>
             <a:fld id="{F34D2577-27A9-48D8-B09C-5DF8AFE9C2EC}" type="datetimeFigureOut">
               <a:rPr lang="ru-RU" smtClean="0"/>
-              <a:t>01.06.2012</a:t>
+              <a:t>03.06.2012</a:t>
             </a:fld>
             <a:endParaRPr lang="ru-RU"/>
           </a:p>
@@ -730,7 +736,7 @@
           <a:p>
             <a:fld id="{F34D2577-27A9-48D8-B09C-5DF8AFE9C2EC}" type="datetimeFigureOut">
               <a:rPr lang="ru-RU" smtClean="0"/>
-              <a:t>01.06.2012</a:t>
+              <a:t>03.06.2012</a:t>
             </a:fld>
             <a:endParaRPr lang="ru-RU"/>
           </a:p>
@@ -895,7 +901,7 @@
           <a:p>
             <a:fld id="{F34D2577-27A9-48D8-B09C-5DF8AFE9C2EC}" type="datetimeFigureOut">
               <a:rPr lang="ru-RU" smtClean="0"/>
-              <a:t>01.06.2012</a:t>
+              <a:t>03.06.2012</a:t>
             </a:fld>
             <a:endParaRPr lang="ru-RU"/>
           </a:p>
@@ -1152,7 +1158,7 @@
           <a:p>
             <a:fld id="{F34D2577-27A9-48D8-B09C-5DF8AFE9C2EC}" type="datetimeFigureOut">
               <a:rPr lang="ru-RU" smtClean="0"/>
-              <a:t>01.06.2012</a:t>
+              <a:t>03.06.2012</a:t>
             </a:fld>
             <a:endParaRPr lang="ru-RU"/>
           </a:p>
@@ -1292,7 +1298,7 @@
           <a:p>
             <a:fld id="{F34D2577-27A9-48D8-B09C-5DF8AFE9C2EC}" type="datetimeFigureOut">
               <a:rPr lang="ru-RU" smtClean="0"/>
-              <a:t>01.06.2012</a:t>
+              <a:t>03.06.2012</a:t>
             </a:fld>
             <a:endParaRPr lang="ru-RU"/>
           </a:p>
@@ -1942,7 +1948,7 @@
           <a:p>
             <a:fld id="{F34D2577-27A9-48D8-B09C-5DF8AFE9C2EC}" type="datetimeFigureOut">
               <a:rPr lang="ru-RU" smtClean="0"/>
-              <a:t>01.06.2012</a:t>
+              <a:t>03.06.2012</a:t>
             </a:fld>
             <a:endParaRPr lang="ru-RU"/>
           </a:p>
@@ -2055,7 +2061,7 @@
           <a:p>
             <a:fld id="{F34D2577-27A9-48D8-B09C-5DF8AFE9C2EC}" type="datetimeFigureOut">
               <a:rPr lang="ru-RU" smtClean="0"/>
-              <a:t>01.06.2012</a:t>
+              <a:t>03.06.2012</a:t>
             </a:fld>
             <a:endParaRPr lang="ru-RU"/>
           </a:p>
@@ -2145,7 +2151,7 @@
           <a:p>
             <a:fld id="{F34D2577-27A9-48D8-B09C-5DF8AFE9C2EC}" type="datetimeFigureOut">
               <a:rPr lang="ru-RU" smtClean="0"/>
-              <a:t>01.06.2012</a:t>
+              <a:t>03.06.2012</a:t>
             </a:fld>
             <a:endParaRPr lang="ru-RU"/>
           </a:p>
@@ -2435,7 +2441,7 @@
           <a:p>
             <a:fld id="{F34D2577-27A9-48D8-B09C-5DF8AFE9C2EC}" type="datetimeFigureOut">
               <a:rPr lang="ru-RU" smtClean="0"/>
-              <a:t>01.06.2012</a:t>
+              <a:t>03.06.2012</a:t>
             </a:fld>
             <a:endParaRPr lang="ru-RU"/>
           </a:p>
@@ -2758,7 +2764,7 @@
           <a:p>
             <a:fld id="{F34D2577-27A9-48D8-B09C-5DF8AFE9C2EC}" type="datetimeFigureOut">
               <a:rPr lang="ru-RU" smtClean="0"/>
-              <a:t>01.06.2012</a:t>
+              <a:t>03.06.2012</a:t>
             </a:fld>
             <a:endParaRPr lang="ru-RU"/>
           </a:p>
@@ -3215,7 +3221,7 @@
           <a:p>
             <a:fld id="{F34D2577-27A9-48D8-B09C-5DF8AFE9C2EC}" type="datetimeFigureOut">
               <a:rPr lang="ru-RU" smtClean="0"/>
-              <a:t>01.06.2012</a:t>
+              <a:t>03.06.2012</a:t>
             </a:fld>
             <a:endParaRPr lang="ru-RU"/>
           </a:p>
@@ -3772,8 +3778,8 @@
         </p:nvSpPr>
         <p:spPr>
           <a:xfrm>
-            <a:off x="431540" y="1905506"/>
-            <a:ext cx="8280920" cy="3046988"/>
+            <a:off x="431540" y="2274838"/>
+            <a:ext cx="8280920" cy="2308324"/>
           </a:xfrm>
           <a:prstGeom prst="rect">
             <a:avLst/>
@@ -3803,10 +3809,10 @@
                 <a:latin typeface="Calibri" pitchFamily="34" charset="0"/>
                 <a:cs typeface="Calibri" pitchFamily="34" charset="0"/>
               </a:rPr>
-              <a:t>Проектирование и разработка системы управления контентом </a:t>
-            </a:r>
-            <a:r>
-              <a:rPr lang="en-US" sz="4800" dirty="0" smtClean="0">
+              <a:t>Проектирование и разработка </a:t>
+            </a:r>
+            <a:r>
+              <a:rPr lang="ru-RU" sz="4800" dirty="0" err="1" smtClean="0">
                 <a:solidFill>
                   <a:schemeClr val="tx2">
                     <a:lumMod val="25000"/>
@@ -3822,10 +3828,10 @@
                 <a:latin typeface="Calibri" pitchFamily="34" charset="0"/>
                 <a:cs typeface="Calibri" pitchFamily="34" charset="0"/>
               </a:rPr>
-              <a:t>(CMS) </a:t>
-            </a:r>
-            <a:r>
-              <a:rPr lang="ru-RU" sz="4800" dirty="0" err="1" smtClean="0">
+              <a:t>форумной</a:t>
+            </a:r>
+            <a:r>
+              <a:rPr lang="ru-RU" sz="4800" dirty="0" smtClean="0">
                 <a:solidFill>
                   <a:schemeClr val="tx2">
                     <a:lumMod val="25000"/>
@@ -3841,10 +3847,10 @@
                 <a:latin typeface="Calibri" pitchFamily="34" charset="0"/>
                 <a:cs typeface="Calibri" pitchFamily="34" charset="0"/>
               </a:rPr>
-              <a:t>форумного</a:t>
-            </a:r>
-            <a:r>
-              <a:rPr lang="ru-RU" sz="4800" dirty="0" smtClean="0">
+              <a:t> системы управления контентом </a:t>
+            </a:r>
+            <a:r>
+              <a:rPr lang="en-US" sz="4800" dirty="0" smtClean="0">
                 <a:solidFill>
                   <a:schemeClr val="tx2">
                     <a:lumMod val="25000"/>
@@ -3860,7 +3866,7 @@
                 <a:latin typeface="Calibri" pitchFamily="34" charset="0"/>
                 <a:cs typeface="Calibri" pitchFamily="34" charset="0"/>
               </a:rPr>
-              <a:t> веб-сайта</a:t>
+              <a:t>(CMS)</a:t>
             </a:r>
             <a:endParaRPr lang="ru-RU" sz="4800" dirty="0">
               <a:solidFill>
@@ -4196,32 +4202,32 @@
       </p:sp>
       <p:graphicFrame>
         <p:nvGraphicFramePr>
-          <p:cNvPr id="6" name="Объект 5"/>
+          <p:cNvPr id="3" name="Объект 2"/>
           <p:cNvGraphicFramePr>
             <a:graphicFrameLocks noChangeAspect="1"/>
           </p:cNvGraphicFramePr>
           <p:nvPr>
             <p:extLst>
               <p:ext uri="{D42A27DB-BD31-4B8C-83A1-F6EECF244321}">
-                <p14:modId xmlns:p14="http://schemas.microsoft.com/office/powerpoint/2010/main" val="3675112332"/>
+                <p14:modId xmlns:p14="http://schemas.microsoft.com/office/powerpoint/2010/main" val="689596825"/>
               </p:ext>
             </p:extLst>
           </p:nvPr>
         </p:nvGraphicFramePr>
         <p:xfrm>
-          <a:off x="318294" y="2343869"/>
-          <a:ext cx="8507412" cy="4181475"/>
+          <a:off x="308769" y="2348880"/>
+          <a:ext cx="8526462" cy="4027487"/>
         </p:xfrm>
         <a:graphic>
           <a:graphicData uri="http://schemas.openxmlformats.org/presentationml/2006/ole">
             <mc:AlternateContent xmlns:mc="http://schemas.openxmlformats.org/markup-compatibility/2006">
               <mc:Choice xmlns:v="urn:schemas-microsoft-com:vml" Requires="v">
-                <p:oleObj spid="_x0000_s7178" name="Visio" r:id="rId5" imgW="8507567" imgH="4181220" progId="Visio.Drawing.11">
+                <p:oleObj spid="_x0000_s7189" name="Visio" r:id="rId5" imgW="8526746" imgH="4026780" progId="Visio.Drawing.11">
                   <p:embed/>
                 </p:oleObj>
               </mc:Choice>
               <mc:Fallback>
-                <p:oleObj name="Visio" r:id="rId5" imgW="8507567" imgH="4181220" progId="Visio.Drawing.11">
+                <p:oleObj name="Visio" r:id="rId5" imgW="8526746" imgH="4026780" progId="Visio.Drawing.11">
                   <p:embed/>
                   <p:pic>
                     <p:nvPicPr>
@@ -4237,8 +4243,8 @@
                     </p:blipFill>
                     <p:spPr>
                       <a:xfrm>
-                        <a:off x="318294" y="2343869"/>
-                        <a:ext cx="8507412" cy="4181475"/>
+                        <a:off x="308769" y="2348880"/>
+                        <a:ext cx="8526462" cy="4027487"/>
                       </a:xfrm>
                       <a:prstGeom prst="rect">
                         <a:avLst/>
@@ -4348,7 +4354,7 @@
                                           </p:stCondLst>
                                         </p:cTn>
                                         <p:tgtEl>
-                                          <p:spTgt spid="6"/>
+                                          <p:spTgt spid="3"/>
                                         </p:tgtEl>
                                         <p:attrNameLst>
                                           <p:attrName>style.visibility</p:attrName>
@@ -4362,7 +4368,7 @@
                                       <p:cBhvr>
                                         <p:cTn id="12" dur="500"/>
                                         <p:tgtEl>
-                                          <p:spTgt spid="6"/>
+                                          <p:spTgt spid="3"/>
                                         </p:tgtEl>
                                       </p:cBhvr>
                                     </p:animEffect>
@@ -4399,6 +4405,455 @@
     <p:bldLst>
       <p:bldP spid="5" grpId="0"/>
     </p:bldLst>
+  </p:timing>
+</p:sld>
+</file>
+
+<file path=ppt/slides/slide11.xml><?xml version="1.0" encoding="utf-8"?>
+<p:sld xmlns:a="http://schemas.openxmlformats.org/drawingml/2006/main" xmlns:r="http://schemas.openxmlformats.org/officeDocument/2006/relationships" xmlns:p="http://schemas.openxmlformats.org/presentationml/2006/main">
+  <p:cSld>
+    <p:bg>
+      <p:bgPr>
+        <a:blipFill dpi="0" rotWithShape="1">
+          <a:blip r:embed="rId2">
+            <a:alphaModFix amt="18000"/>
+            <a:duotone>
+              <a:prstClr val="black"/>
+              <a:schemeClr val="accent2">
+                <a:tint val="45000"/>
+                <a:satMod val="400000"/>
+              </a:schemeClr>
+            </a:duotone>
+            <a:lum/>
+            <a:extLst>
+              <a:ext uri="{BEBA8EAE-BF5A-486C-A8C5-ECC9F3942E4B}">
+                <a14:imgProps xmlns:a14="http://schemas.microsoft.com/office/drawing/2010/main">
+                  <a14:imgLayer r:embed="rId3">
+                    <a14:imgEffect>
+                      <a14:colorTemperature colorTemp="8250"/>
+                    </a14:imgEffect>
+                    <a14:imgEffect>
+                      <a14:saturation sat="115000"/>
+                    </a14:imgEffect>
+                    <a14:imgEffect>
+                      <a14:brightnessContrast bright="100000" contrast="1000"/>
+                    </a14:imgEffect>
+                  </a14:imgLayer>
+                </a14:imgProps>
+              </a:ext>
+            </a:extLst>
+          </a:blip>
+          <a:srcRect/>
+          <a:stretch>
+            <a:fillRect/>
+          </a:stretch>
+        </a:blipFill>
+        <a:effectLst/>
+      </p:bgPr>
+    </p:bg>
+    <p:spTree>
+      <p:nvGrpSpPr>
+        <p:cNvPr id="1" name=""/>
+        <p:cNvGrpSpPr/>
+        <p:nvPr/>
+      </p:nvGrpSpPr>
+      <p:grpSpPr>
+        <a:xfrm>
+          <a:off x="0" y="0"/>
+          <a:ext cx="0" cy="0"/>
+          <a:chOff x="0" y="0"/>
+          <a:chExt cx="0" cy="0"/>
+        </a:xfrm>
+      </p:grpSpPr>
+      <p:sp>
+        <p:nvSpPr>
+          <p:cNvPr id="4" name="TextBox 3"/>
+          <p:cNvSpPr txBox="1"/>
+          <p:nvPr/>
+        </p:nvSpPr>
+        <p:spPr>
+          <a:xfrm>
+            <a:off x="431540" y="39231"/>
+            <a:ext cx="8280920" cy="830997"/>
+          </a:xfrm>
+          <a:prstGeom prst="rect">
+            <a:avLst/>
+          </a:prstGeom>
+          <a:noFill/>
+        </p:spPr>
+        <p:txBody>
+          <a:bodyPr wrap="square" rtlCol="0" anchor="ctr">
+            <a:spAutoFit/>
+          </a:bodyPr>
+          <a:lstStyle/>
+          <a:p>
+            <a:r>
+              <a:rPr lang="ru-RU" sz="4800" dirty="0" smtClean="0">
+                <a:solidFill>
+                  <a:schemeClr val="tx2">
+                    <a:lumMod val="25000"/>
+                  </a:schemeClr>
+                </a:solidFill>
+                <a:effectLst>
+                  <a:outerShdw blurRad="38100" dist="38100" dir="2700000" algn="tl">
+                    <a:srgbClr val="000000">
+                      <a:alpha val="43137"/>
+                    </a:srgbClr>
+                  </a:outerShdw>
+                </a:effectLst>
+                <a:latin typeface="Calibri" pitchFamily="34" charset="0"/>
+                <a:cs typeface="Calibri" pitchFamily="34" charset="0"/>
+              </a:rPr>
+              <a:t>Итоги работы:</a:t>
+            </a:r>
+            <a:endParaRPr lang="ru-RU" sz="4800" dirty="0">
+              <a:solidFill>
+                <a:schemeClr val="tx2">
+                  <a:lumMod val="25000"/>
+                </a:schemeClr>
+              </a:solidFill>
+              <a:effectLst>
+                <a:outerShdw blurRad="38100" dist="38100" dir="2700000" algn="tl">
+                  <a:srgbClr val="000000">
+                    <a:alpha val="43137"/>
+                  </a:srgbClr>
+                </a:outerShdw>
+              </a:effectLst>
+              <a:latin typeface="Calibri" pitchFamily="34" charset="0"/>
+              <a:cs typeface="Calibri" pitchFamily="34" charset="0"/>
+            </a:endParaRPr>
+          </a:p>
+        </p:txBody>
+      </p:sp>
+      <p:sp>
+        <p:nvSpPr>
+          <p:cNvPr id="3" name="TextBox 2"/>
+          <p:cNvSpPr txBox="1"/>
+          <p:nvPr/>
+        </p:nvSpPr>
+        <p:spPr>
+          <a:xfrm>
+            <a:off x="53752" y="909459"/>
+            <a:ext cx="9036496" cy="5909310"/>
+          </a:xfrm>
+          <a:prstGeom prst="rect">
+            <a:avLst/>
+          </a:prstGeom>
+          <a:noFill/>
+        </p:spPr>
+        <p:txBody>
+          <a:bodyPr wrap="square" rtlCol="0" anchor="ctr">
+            <a:spAutoFit/>
+          </a:bodyPr>
+          <a:lstStyle/>
+          <a:p>
+            <a:pPr marL="571500" indent="-571500">
+              <a:lnSpc>
+                <a:spcPct val="150000"/>
+              </a:lnSpc>
+              <a:buFont typeface="+mj-lt"/>
+              <a:buAutoNum type="arabicPeriod"/>
+            </a:pPr>
+            <a:r>
+              <a:rPr lang="ru-RU" sz="2800" dirty="0" smtClean="0">
+                <a:solidFill>
+                  <a:schemeClr val="tx2">
+                    <a:lumMod val="25000"/>
+                  </a:schemeClr>
+                </a:solidFill>
+                <a:effectLst>
+                  <a:outerShdw blurRad="38100" dist="38100" dir="2700000" algn="tl">
+                    <a:srgbClr val="000000">
+                      <a:alpha val="43137"/>
+                    </a:srgbClr>
+                  </a:outerShdw>
+                </a:effectLst>
+                <a:latin typeface="Calibri" pitchFamily="34" charset="0"/>
+                <a:cs typeface="Calibri" pitchFamily="34" charset="0"/>
+              </a:rPr>
+              <a:t>Рассмотрена предметная область, поставлена задача</a:t>
+            </a:r>
+          </a:p>
+          <a:p>
+            <a:pPr marL="571500" indent="-571500">
+              <a:lnSpc>
+                <a:spcPct val="150000"/>
+              </a:lnSpc>
+              <a:buFont typeface="+mj-lt"/>
+              <a:buAutoNum type="arabicPeriod"/>
+            </a:pPr>
+            <a:r>
+              <a:rPr lang="ru-RU" sz="2800" dirty="0" smtClean="0">
+                <a:solidFill>
+                  <a:schemeClr val="tx2">
+                    <a:lumMod val="25000"/>
+                  </a:schemeClr>
+                </a:solidFill>
+                <a:effectLst>
+                  <a:outerShdw blurRad="38100" dist="38100" dir="2700000" algn="tl">
+                    <a:srgbClr val="000000">
+                      <a:alpha val="43137"/>
+                    </a:srgbClr>
+                  </a:outerShdw>
+                </a:effectLst>
+                <a:latin typeface="Calibri" pitchFamily="34" charset="0"/>
+                <a:cs typeface="Calibri" pitchFamily="34" charset="0"/>
+              </a:rPr>
+              <a:t>Рассмотрены и учтены плюсы и минусы аналогов</a:t>
+            </a:r>
+          </a:p>
+          <a:p>
+            <a:pPr marL="571500" indent="-571500">
+              <a:lnSpc>
+                <a:spcPct val="150000"/>
+              </a:lnSpc>
+              <a:buFont typeface="+mj-lt"/>
+              <a:buAutoNum type="arabicPeriod"/>
+            </a:pPr>
+            <a:r>
+              <a:rPr lang="ru-RU" sz="2800" dirty="0" smtClean="0">
+                <a:solidFill>
+                  <a:schemeClr val="tx2">
+                    <a:lumMod val="25000"/>
+                  </a:schemeClr>
+                </a:solidFill>
+                <a:effectLst>
+                  <a:outerShdw blurRad="38100" dist="38100" dir="2700000" algn="tl">
+                    <a:srgbClr val="000000">
+                      <a:alpha val="43137"/>
+                    </a:srgbClr>
+                  </a:outerShdw>
+                </a:effectLst>
+                <a:latin typeface="Calibri" pitchFamily="34" charset="0"/>
+                <a:cs typeface="Calibri" pitchFamily="34" charset="0"/>
+              </a:rPr>
+              <a:t>Выбраны современные и </a:t>
+            </a:r>
+            <a:r>
+              <a:rPr lang="ru-RU" sz="2800" dirty="0" smtClean="0">
+                <a:solidFill>
+                  <a:schemeClr val="tx2">
+                    <a:lumMod val="25000"/>
+                  </a:schemeClr>
+                </a:solidFill>
+                <a:effectLst>
+                  <a:outerShdw blurRad="38100" dist="38100" dir="2700000" algn="tl">
+                    <a:srgbClr val="000000">
+                      <a:alpha val="43137"/>
+                    </a:srgbClr>
+                  </a:outerShdw>
+                </a:effectLst>
+                <a:latin typeface="Calibri" pitchFamily="34" charset="0"/>
+                <a:cs typeface="Calibri" pitchFamily="34" charset="0"/>
+              </a:rPr>
+              <a:t>эффективные технологии</a:t>
+            </a:r>
+          </a:p>
+          <a:p>
+            <a:pPr marL="571500" indent="-571500">
+              <a:lnSpc>
+                <a:spcPct val="150000"/>
+              </a:lnSpc>
+              <a:buFont typeface="+mj-lt"/>
+              <a:buAutoNum type="arabicPeriod"/>
+            </a:pPr>
+            <a:r>
+              <a:rPr lang="ru-RU" sz="2800" dirty="0" smtClean="0">
+                <a:solidFill>
+                  <a:schemeClr val="tx2">
+                    <a:lumMod val="25000"/>
+                  </a:schemeClr>
+                </a:solidFill>
+                <a:effectLst>
+                  <a:outerShdw blurRad="38100" dist="38100" dir="2700000" algn="tl">
+                    <a:srgbClr val="000000">
+                      <a:alpha val="43137"/>
+                    </a:srgbClr>
+                  </a:outerShdw>
+                </a:effectLst>
+                <a:latin typeface="Calibri" pitchFamily="34" charset="0"/>
+                <a:cs typeface="Calibri" pitchFamily="34" charset="0"/>
+              </a:rPr>
+              <a:t>Выбран удобный инструментарий</a:t>
+            </a:r>
+          </a:p>
+          <a:p>
+            <a:pPr marL="571500" indent="-571500">
+              <a:lnSpc>
+                <a:spcPct val="150000"/>
+              </a:lnSpc>
+              <a:buFont typeface="+mj-lt"/>
+              <a:buAutoNum type="arabicPeriod"/>
+            </a:pPr>
+            <a:r>
+              <a:rPr lang="ru-RU" sz="2800" dirty="0" smtClean="0">
+                <a:solidFill>
+                  <a:schemeClr val="tx2">
+                    <a:lumMod val="25000"/>
+                  </a:schemeClr>
+                </a:solidFill>
+                <a:effectLst>
+                  <a:outerShdw blurRad="38100" dist="38100" dir="2700000" algn="tl">
+                    <a:srgbClr val="000000">
+                      <a:alpha val="43137"/>
+                    </a:srgbClr>
+                  </a:outerShdw>
+                </a:effectLst>
+                <a:latin typeface="Calibri" pitchFamily="34" charset="0"/>
+                <a:cs typeface="Calibri" pitchFamily="34" charset="0"/>
+              </a:rPr>
+              <a:t>Разработана архитектура и модули веб-приложения</a:t>
+            </a:r>
+          </a:p>
+          <a:p>
+            <a:pPr marL="571500" indent="-571500">
+              <a:lnSpc>
+                <a:spcPct val="150000"/>
+              </a:lnSpc>
+              <a:buFont typeface="+mj-lt"/>
+              <a:buAutoNum type="arabicPeriod"/>
+            </a:pPr>
+            <a:r>
+              <a:rPr lang="ru-RU" sz="2800" dirty="0" smtClean="0">
+                <a:solidFill>
+                  <a:schemeClr val="tx2">
+                    <a:lumMod val="25000"/>
+                  </a:schemeClr>
+                </a:solidFill>
+                <a:effectLst>
+                  <a:outerShdw blurRad="38100" dist="38100" dir="2700000" algn="tl">
+                    <a:srgbClr val="000000">
+                      <a:alpha val="43137"/>
+                    </a:srgbClr>
+                  </a:outerShdw>
+                </a:effectLst>
+                <a:latin typeface="Calibri" pitchFamily="34" charset="0"/>
+                <a:cs typeface="Calibri" pitchFamily="34" charset="0"/>
+              </a:rPr>
+              <a:t>Разработана база </a:t>
+            </a:r>
+            <a:r>
+              <a:rPr lang="ru-RU" sz="2800" dirty="0">
+                <a:solidFill>
+                  <a:schemeClr val="tx2">
+                    <a:lumMod val="25000"/>
+                  </a:schemeClr>
+                </a:solidFill>
+                <a:effectLst>
+                  <a:outerShdw blurRad="38100" dist="38100" dir="2700000" algn="tl">
+                    <a:srgbClr val="000000">
+                      <a:alpha val="43137"/>
+                    </a:srgbClr>
+                  </a:outerShdw>
+                </a:effectLst>
+                <a:latin typeface="Calibri" pitchFamily="34" charset="0"/>
+                <a:cs typeface="Calibri" pitchFamily="34" charset="0"/>
+              </a:rPr>
+              <a:t>данных веб-приложения</a:t>
+            </a:r>
+          </a:p>
+          <a:p>
+            <a:pPr marL="571500" indent="-571500">
+              <a:lnSpc>
+                <a:spcPct val="150000"/>
+              </a:lnSpc>
+              <a:buFont typeface="+mj-lt"/>
+              <a:buAutoNum type="arabicPeriod"/>
+            </a:pPr>
+            <a:r>
+              <a:rPr lang="ru-RU" sz="2800" dirty="0" smtClean="0">
+                <a:solidFill>
+                  <a:schemeClr val="tx2">
+                    <a:lumMod val="25000"/>
+                  </a:schemeClr>
+                </a:solidFill>
+                <a:effectLst>
+                  <a:outerShdw blurRad="38100" dist="38100" dir="2700000" algn="tl">
+                    <a:srgbClr val="000000">
+                      <a:alpha val="43137"/>
+                    </a:srgbClr>
+                  </a:outerShdw>
+                </a:effectLst>
+                <a:latin typeface="Calibri" pitchFamily="34" charset="0"/>
+                <a:cs typeface="Calibri" pitchFamily="34" charset="0"/>
+              </a:rPr>
+              <a:t>Разработан пользовательский интерфейс</a:t>
+            </a:r>
+          </a:p>
+          <a:p>
+            <a:pPr marL="571500" indent="-571500">
+              <a:lnSpc>
+                <a:spcPct val="150000"/>
+              </a:lnSpc>
+              <a:buFont typeface="+mj-lt"/>
+              <a:buAutoNum type="arabicPeriod"/>
+            </a:pPr>
+            <a:r>
+              <a:rPr lang="ru-RU" sz="2800" dirty="0" smtClean="0">
+                <a:solidFill>
+                  <a:schemeClr val="tx2">
+                    <a:lumMod val="25000"/>
+                  </a:schemeClr>
+                </a:solidFill>
+                <a:effectLst>
+                  <a:outerShdw blurRad="38100" dist="38100" dir="2700000" algn="tl">
+                    <a:srgbClr val="000000">
+                      <a:alpha val="43137"/>
+                    </a:srgbClr>
+                  </a:outerShdw>
+                </a:effectLst>
+                <a:latin typeface="Calibri" pitchFamily="34" charset="0"/>
+                <a:cs typeface="Calibri" pitchFamily="34" charset="0"/>
+              </a:rPr>
+              <a:t>Обеспечена безопасность веб-приложения</a:t>
+            </a:r>
+          </a:p>
+          <a:p>
+            <a:pPr marL="571500" indent="-571500">
+              <a:lnSpc>
+                <a:spcPct val="150000"/>
+              </a:lnSpc>
+              <a:buFont typeface="+mj-lt"/>
+              <a:buAutoNum type="arabicPeriod"/>
+            </a:pPr>
+            <a:r>
+              <a:rPr lang="ru-RU" sz="2800" dirty="0" smtClean="0">
+                <a:solidFill>
+                  <a:schemeClr val="tx2">
+                    <a:lumMod val="25000"/>
+                  </a:schemeClr>
+                </a:solidFill>
+                <a:effectLst>
+                  <a:outerShdw blurRad="38100" dist="38100" dir="2700000" algn="tl">
+                    <a:srgbClr val="000000">
+                      <a:alpha val="43137"/>
+                    </a:srgbClr>
+                  </a:outerShdw>
+                </a:effectLst>
+                <a:latin typeface="Calibri" pitchFamily="34" charset="0"/>
+                <a:cs typeface="Calibri" pitchFamily="34" charset="0"/>
+              </a:rPr>
+              <a:t>Разработана документация для успешного внедрения</a:t>
+            </a:r>
+          </a:p>
+        </p:txBody>
+      </p:sp>
+    </p:spTree>
+    <p:extLst>
+      <p:ext uri="{BB962C8B-B14F-4D97-AF65-F5344CB8AC3E}">
+        <p14:creationId xmlns:p14="http://schemas.microsoft.com/office/powerpoint/2010/main" val="92596213"/>
+      </p:ext>
+    </p:extLst>
+  </p:cSld>
+  <p:clrMapOvr>
+    <a:masterClrMapping/>
+  </p:clrMapOvr>
+  <p:timing>
+    <p:tnLst>
+      <p:par>
+        <p:cTn id="1" dur="indefinite" restart="never" nodeType="tmRoot"/>
+      </p:par>
+    </p:tnLst>
   </p:timing>
 </p:sld>
 </file>
@@ -4584,43 +5039,8 @@
                 <a:latin typeface="Calibri" pitchFamily="34" charset="0"/>
                 <a:cs typeface="Calibri" pitchFamily="34" charset="0"/>
               </a:rPr>
-              <a:t>информационные </a:t>
-            </a:r>
-            <a:r>
-              <a:rPr lang="ru-RU" sz="3600" dirty="0" smtClean="0">
-                <a:solidFill>
-                  <a:schemeClr val="tx2">
-                    <a:lumMod val="25000"/>
-                  </a:schemeClr>
-                </a:solidFill>
-                <a:effectLst>
-                  <a:outerShdw blurRad="38100" dist="38100" dir="2700000" algn="tl">
-                    <a:srgbClr val="000000">
-                      <a:alpha val="43137"/>
-                    </a:srgbClr>
-                  </a:outerShdw>
-                </a:effectLst>
-                <a:latin typeface="Calibri" pitchFamily="34" charset="0"/>
-                <a:cs typeface="Calibri" pitchFamily="34" charset="0"/>
-              </a:rPr>
-              <a:t>ресурсы</a:t>
-            </a:r>
-            <a:endParaRPr lang="ru-RU" sz="3600" dirty="0" smtClean="0">
-              <a:solidFill>
-                <a:schemeClr val="tx2">
-                  <a:lumMod val="25000"/>
-                </a:schemeClr>
-              </a:solidFill>
-              <a:effectLst>
-                <a:outerShdw blurRad="38100" dist="38100" dir="2700000" algn="tl">
-                  <a:srgbClr val="000000">
-                    <a:alpha val="43137"/>
-                  </a:srgbClr>
-                </a:outerShdw>
-              </a:effectLst>
-              <a:latin typeface="Calibri" pitchFamily="34" charset="0"/>
-              <a:cs typeface="Calibri" pitchFamily="34" charset="0"/>
-            </a:endParaRPr>
+              <a:t>информационные ресурсы</a:t>
+            </a:r>
           </a:p>
           <a:p>
             <a:pPr marL="571500" indent="-571500">
@@ -4649,22 +5069,6 @@
               </a:rPr>
               <a:t>интернет-представительства</a:t>
             </a:r>
-            <a:endParaRPr lang="ru-RU" sz="3600" dirty="0" smtClean="0">
-              <a:solidFill>
-                <a:schemeClr val="tx2">
-                  <a:lumMod val="25000"/>
-                </a:schemeClr>
-              </a:solidFill>
-              <a:effectLst>
-                <a:outerShdw blurRad="38100" dist="38100" dir="2700000" algn="tl">
-                  <a:srgbClr val="000000">
-                    <a:alpha val="43137"/>
-                  </a:srgbClr>
-                </a:outerShdw>
-              </a:effectLst>
-              <a:latin typeface="Calibri" pitchFamily="34" charset="0"/>
-              <a:cs typeface="Calibri" pitchFamily="34" charset="0"/>
-            </a:endParaRPr>
           </a:p>
           <a:p>
             <a:pPr marL="571500" indent="-571500">
@@ -5551,7 +5955,7 @@
           <a:graphicData uri="http://schemas.openxmlformats.org/presentationml/2006/ole">
             <mc:AlternateContent xmlns:mc="http://schemas.openxmlformats.org/markup-compatibility/2006">
               <mc:Choice xmlns:v="urn:schemas-microsoft-com:vml" Requires="v">
-                <p:oleObj spid="_x0000_s1067" name="Visio" r:id="rId5" imgW="3846693" imgH="4746600" progId="Visio.Drawing.11">
+                <p:oleObj spid="_x0000_s1078" name="Visio" r:id="rId5" imgW="3846693" imgH="4746600" progId="Visio.Drawing.11">
                   <p:embed/>
                 </p:oleObj>
               </mc:Choice>
@@ -5985,7 +6389,7 @@
           <a:graphicData uri="http://schemas.openxmlformats.org/presentationml/2006/ole">
             <mc:AlternateContent xmlns:mc="http://schemas.openxmlformats.org/markup-compatibility/2006">
               <mc:Choice xmlns:v="urn:schemas-microsoft-com:vml" Requires="v">
-                <p:oleObj spid="_x0000_s2100" name="Visio" r:id="rId5" imgW="4714900" imgH="3406320" progId="Visio.Drawing.11">
+                <p:oleObj spid="_x0000_s2122" name="Visio" r:id="rId5" imgW="4714900" imgH="3406320" progId="Visio.Drawing.11">
                   <p:embed/>
                 </p:oleObj>
               </mc:Choice>
@@ -6042,7 +6446,7 @@
           <a:graphicData uri="http://schemas.openxmlformats.org/presentationml/2006/ole">
             <mc:AlternateContent xmlns:mc="http://schemas.openxmlformats.org/markup-compatibility/2006">
               <mc:Choice xmlns:v="urn:schemas-microsoft-com:vml" Requires="v">
-                <p:oleObj spid="_x0000_s2101" name="Visio" r:id="rId7" imgW="3455000" imgH="3946320" progId="Visio.Drawing.11">
+                <p:oleObj spid="_x0000_s2123" name="Visio" r:id="rId7" imgW="3455000" imgH="3946320" progId="Visio.Drawing.11">
                   <p:embed/>
                 </p:oleObj>
               </mc:Choice>
@@ -6560,7 +6964,7 @@
           <a:graphicData uri="http://schemas.openxmlformats.org/presentationml/2006/ole">
             <mc:AlternateContent xmlns:mc="http://schemas.openxmlformats.org/markup-compatibility/2006">
               <mc:Choice xmlns:v="urn:schemas-microsoft-com:vml" Requires="v">
-                <p:oleObj spid="_x0000_s3087" name="Visio" r:id="rId5" imgW="7234971" imgH="5531760" progId="Visio.Drawing.11">
+                <p:oleObj spid="_x0000_s3098" name="Visio" r:id="rId5" imgW="7234971" imgH="5531760" progId="Visio.Drawing.11">
                   <p:embed/>
                 </p:oleObj>
               </mc:Choice>
@@ -6894,7 +7298,7 @@
           <a:graphicData uri="http://schemas.openxmlformats.org/presentationml/2006/ole">
             <mc:AlternateContent xmlns:mc="http://schemas.openxmlformats.org/markup-compatibility/2006">
               <mc:Choice xmlns:v="urn:schemas-microsoft-com:vml" Requires="v">
-                <p:oleObj spid="_x0000_s4110" name="Visio" r:id="rId5" imgW="7954875" imgH="3843720" progId="Visio.Drawing.11">
+                <p:oleObj spid="_x0000_s4121" name="Visio" r:id="rId5" imgW="7954875" imgH="3843720" progId="Visio.Drawing.11">
                   <p:embed/>
                 </p:oleObj>
               </mc:Choice>
@@ -7147,7 +7551,7 @@
           <a:graphicData uri="http://schemas.openxmlformats.org/presentationml/2006/ole">
             <mc:AlternateContent xmlns:mc="http://schemas.openxmlformats.org/markup-compatibility/2006">
               <mc:Choice xmlns:v="urn:schemas-microsoft-com:vml" Requires="v">
-                <p:oleObj spid="_x0000_s5134" name="Visio" r:id="rId5" imgW="8675049" imgH="4026240" progId="Visio.Drawing.11">
+                <p:oleObj spid="_x0000_s5145" name="Visio" r:id="rId5" imgW="8675049" imgH="4026240" progId="Visio.Drawing.11">
                   <p:embed/>
                 </p:oleObj>
               </mc:Choice>

--- a/!docs/Presentation (Statsenko).pptx
+++ b/!docs/Presentation (Statsenko).pptx
@@ -391,7 +391,7 @@
           <a:p>
             <a:fld id="{F34D2577-27A9-48D8-B09C-5DF8AFE9C2EC}" type="datetimeFigureOut">
               <a:rPr lang="ru-RU" smtClean="0"/>
-              <a:t>03.06.2012</a:t>
+              <a:t>11.06.2012</a:t>
             </a:fld>
             <a:endParaRPr lang="ru-RU"/>
           </a:p>
@@ -561,7 +561,7 @@
           <a:p>
             <a:fld id="{F34D2577-27A9-48D8-B09C-5DF8AFE9C2EC}" type="datetimeFigureOut">
               <a:rPr lang="ru-RU" smtClean="0"/>
-              <a:t>03.06.2012</a:t>
+              <a:t>11.06.2012</a:t>
             </a:fld>
             <a:endParaRPr lang="ru-RU"/>
           </a:p>
@@ -736,7 +736,7 @@
           <a:p>
             <a:fld id="{F34D2577-27A9-48D8-B09C-5DF8AFE9C2EC}" type="datetimeFigureOut">
               <a:rPr lang="ru-RU" smtClean="0"/>
-              <a:t>03.06.2012</a:t>
+              <a:t>11.06.2012</a:t>
             </a:fld>
             <a:endParaRPr lang="ru-RU"/>
           </a:p>
@@ -901,7 +901,7 @@
           <a:p>
             <a:fld id="{F34D2577-27A9-48D8-B09C-5DF8AFE9C2EC}" type="datetimeFigureOut">
               <a:rPr lang="ru-RU" smtClean="0"/>
-              <a:t>03.06.2012</a:t>
+              <a:t>11.06.2012</a:t>
             </a:fld>
             <a:endParaRPr lang="ru-RU"/>
           </a:p>
@@ -1158,7 +1158,7 @@
           <a:p>
             <a:fld id="{F34D2577-27A9-48D8-B09C-5DF8AFE9C2EC}" type="datetimeFigureOut">
               <a:rPr lang="ru-RU" smtClean="0"/>
-              <a:t>03.06.2012</a:t>
+              <a:t>11.06.2012</a:t>
             </a:fld>
             <a:endParaRPr lang="ru-RU"/>
           </a:p>
@@ -1298,7 +1298,7 @@
           <a:p>
             <a:fld id="{F34D2577-27A9-48D8-B09C-5DF8AFE9C2EC}" type="datetimeFigureOut">
               <a:rPr lang="ru-RU" smtClean="0"/>
-              <a:t>03.06.2012</a:t>
+              <a:t>11.06.2012</a:t>
             </a:fld>
             <a:endParaRPr lang="ru-RU"/>
           </a:p>
@@ -1948,7 +1948,7 @@
           <a:p>
             <a:fld id="{F34D2577-27A9-48D8-B09C-5DF8AFE9C2EC}" type="datetimeFigureOut">
               <a:rPr lang="ru-RU" smtClean="0"/>
-              <a:t>03.06.2012</a:t>
+              <a:t>11.06.2012</a:t>
             </a:fld>
             <a:endParaRPr lang="ru-RU"/>
           </a:p>
@@ -2061,7 +2061,7 @@
           <a:p>
             <a:fld id="{F34D2577-27A9-48D8-B09C-5DF8AFE9C2EC}" type="datetimeFigureOut">
               <a:rPr lang="ru-RU" smtClean="0"/>
-              <a:t>03.06.2012</a:t>
+              <a:t>11.06.2012</a:t>
             </a:fld>
             <a:endParaRPr lang="ru-RU"/>
           </a:p>
@@ -2151,7 +2151,7 @@
           <a:p>
             <a:fld id="{F34D2577-27A9-48D8-B09C-5DF8AFE9C2EC}" type="datetimeFigureOut">
               <a:rPr lang="ru-RU" smtClean="0"/>
-              <a:t>03.06.2012</a:t>
+              <a:t>11.06.2012</a:t>
             </a:fld>
             <a:endParaRPr lang="ru-RU"/>
           </a:p>
@@ -2441,7 +2441,7 @@
           <a:p>
             <a:fld id="{F34D2577-27A9-48D8-B09C-5DF8AFE9C2EC}" type="datetimeFigureOut">
               <a:rPr lang="ru-RU" smtClean="0"/>
-              <a:t>03.06.2012</a:t>
+              <a:t>11.06.2012</a:t>
             </a:fld>
             <a:endParaRPr lang="ru-RU"/>
           </a:p>
@@ -2764,7 +2764,7 @@
           <a:p>
             <a:fld id="{F34D2577-27A9-48D8-B09C-5DF8AFE9C2EC}" type="datetimeFigureOut">
               <a:rPr lang="ru-RU" smtClean="0"/>
-              <a:t>03.06.2012</a:t>
+              <a:t>11.06.2012</a:t>
             </a:fld>
             <a:endParaRPr lang="ru-RU"/>
           </a:p>
@@ -3221,7 +3221,7 @@
           <a:p>
             <a:fld id="{F34D2577-27A9-48D8-B09C-5DF8AFE9C2EC}" type="datetimeFigureOut">
               <a:rPr lang="ru-RU" smtClean="0"/>
-              <a:t>03.06.2012</a:t>
+              <a:t>11.06.2012</a:t>
             </a:fld>
             <a:endParaRPr lang="ru-RU"/>
           </a:p>
@@ -3793,7 +3793,7 @@
           <a:lstStyle/>
           <a:p>
             <a:r>
-              <a:rPr lang="ru-RU" sz="4800" dirty="0" smtClean="0">
+              <a:rPr lang="ru-RU" sz="4800" dirty="0">
                 <a:solidFill>
                   <a:schemeClr val="tx2">
                     <a:lumMod val="25000"/>
@@ -3809,10 +3809,10 @@
                 <a:latin typeface="Calibri" pitchFamily="34" charset="0"/>
                 <a:cs typeface="Calibri" pitchFamily="34" charset="0"/>
               </a:rPr>
-              <a:t>Проектирование и разработка </a:t>
-            </a:r>
-            <a:r>
-              <a:rPr lang="ru-RU" sz="4800" dirty="0" err="1" smtClean="0">
+              <a:t>Разработка </a:t>
+            </a:r>
+            <a:r>
+              <a:rPr lang="ru-RU" sz="4800" dirty="0" smtClean="0">
                 <a:solidFill>
                   <a:schemeClr val="tx2">
                     <a:lumMod val="25000"/>
@@ -3828,10 +3828,10 @@
                 <a:latin typeface="Calibri" pitchFamily="34" charset="0"/>
                 <a:cs typeface="Calibri" pitchFamily="34" charset="0"/>
               </a:rPr>
-              <a:t>форумной</a:t>
-            </a:r>
-            <a:r>
-              <a:rPr lang="ru-RU" sz="4800" dirty="0" smtClean="0">
+              <a:t>системы </a:t>
+            </a:r>
+            <a:r>
+              <a:rPr lang="ru-RU" sz="4800" dirty="0">
                 <a:solidFill>
                   <a:schemeClr val="tx2">
                     <a:lumMod val="25000"/>
@@ -3847,10 +3847,10 @@
                 <a:latin typeface="Calibri" pitchFamily="34" charset="0"/>
                 <a:cs typeface="Calibri" pitchFamily="34" charset="0"/>
               </a:rPr>
-              <a:t> системы управления контентом </a:t>
-            </a:r>
-            <a:r>
-              <a:rPr lang="en-US" sz="4800" dirty="0" smtClean="0">
+              <a:t>управления </a:t>
+            </a:r>
+            <a:r>
+              <a:rPr lang="ru-RU" sz="4800" dirty="0" smtClean="0">
                 <a:solidFill>
                   <a:schemeClr val="tx2">
                     <a:lumMod val="25000"/>
@@ -3866,7 +3866,102 @@
                 <a:latin typeface="Calibri" pitchFamily="34" charset="0"/>
                 <a:cs typeface="Calibri" pitchFamily="34" charset="0"/>
               </a:rPr>
-              <a:t>(CMS)</a:t>
+              <a:t>контентом (</a:t>
+            </a:r>
+            <a:r>
+              <a:rPr lang="en-US" sz="4800" dirty="0" smtClean="0">
+                <a:solidFill>
+                  <a:schemeClr val="tx2">
+                    <a:lumMod val="25000"/>
+                  </a:schemeClr>
+                </a:solidFill>
+                <a:effectLst>
+                  <a:outerShdw blurRad="38100" dist="38100" dir="2700000" algn="tl">
+                    <a:srgbClr val="000000">
+                      <a:alpha val="43137"/>
+                    </a:srgbClr>
+                  </a:outerShdw>
+                </a:effectLst>
+                <a:latin typeface="Calibri" pitchFamily="34" charset="0"/>
+                <a:cs typeface="Calibri" pitchFamily="34" charset="0"/>
+              </a:rPr>
+              <a:t>CMS</a:t>
+            </a:r>
+            <a:r>
+              <a:rPr lang="ru-RU" sz="4800" dirty="0" smtClean="0">
+                <a:solidFill>
+                  <a:schemeClr val="tx2">
+                    <a:lumMod val="25000"/>
+                  </a:schemeClr>
+                </a:solidFill>
+                <a:effectLst>
+                  <a:outerShdw blurRad="38100" dist="38100" dir="2700000" algn="tl">
+                    <a:srgbClr val="000000">
+                      <a:alpha val="43137"/>
+                    </a:srgbClr>
+                  </a:outerShdw>
+                </a:effectLst>
+                <a:latin typeface="Calibri" pitchFamily="34" charset="0"/>
+                <a:cs typeface="Calibri" pitchFamily="34" charset="0"/>
+              </a:rPr>
+              <a:t>)</a:t>
+            </a:r>
+            <a:r>
+              <a:rPr lang="en-US" sz="4800" dirty="0" smtClean="0">
+                <a:solidFill>
+                  <a:schemeClr val="tx2">
+                    <a:lumMod val="25000"/>
+                  </a:schemeClr>
+                </a:solidFill>
+                <a:effectLst>
+                  <a:outerShdw blurRad="38100" dist="38100" dir="2700000" algn="tl">
+                    <a:srgbClr val="000000">
+                      <a:alpha val="43137"/>
+                    </a:srgbClr>
+                  </a:outerShdw>
+                </a:effectLst>
+                <a:latin typeface="Calibri" pitchFamily="34" charset="0"/>
+                <a:cs typeface="Calibri" pitchFamily="34" charset="0"/>
+              </a:rPr>
+              <a:t> </a:t>
+            </a:r>
+            <a:r>
+              <a:rPr lang="ru-RU" sz="4800" dirty="0" err="1" smtClean="0">
+                <a:solidFill>
+                  <a:schemeClr val="tx2">
+                    <a:lumMod val="25000"/>
+                  </a:schemeClr>
+                </a:solidFill>
+                <a:effectLst>
+                  <a:outerShdw blurRad="38100" dist="38100" dir="2700000" algn="tl">
+                    <a:srgbClr val="000000">
+                      <a:alpha val="43137"/>
+                    </a:srgbClr>
+                  </a:outerShdw>
+                </a:effectLst>
+                <a:latin typeface="Calibri" pitchFamily="34" charset="0"/>
+                <a:cs typeface="Calibri" pitchFamily="34" charset="0"/>
+              </a:rPr>
+              <a:t>форумного</a:t>
+            </a:r>
+            <a:r>
+              <a:rPr lang="ru-RU" sz="4800" dirty="0" smtClean="0">
+                <a:solidFill>
+                  <a:schemeClr val="tx2">
+                    <a:lumMod val="25000"/>
+                  </a:schemeClr>
+                </a:solidFill>
+                <a:effectLst>
+                  <a:outerShdw blurRad="38100" dist="38100" dir="2700000" algn="tl">
+                    <a:srgbClr val="000000">
+                      <a:alpha val="43137"/>
+                    </a:srgbClr>
+                  </a:outerShdw>
+                </a:effectLst>
+                <a:latin typeface="Calibri" pitchFamily="34" charset="0"/>
+                <a:cs typeface="Calibri" pitchFamily="34" charset="0"/>
+              </a:rPr>
+              <a:t> веб-сайта</a:t>
             </a:r>
             <a:endParaRPr lang="ru-RU" sz="4800" dirty="0">
               <a:solidFill>
@@ -4222,7 +4317,7 @@
           <a:graphicData uri="http://schemas.openxmlformats.org/presentationml/2006/ole">
             <mc:AlternateContent xmlns:mc="http://schemas.openxmlformats.org/markup-compatibility/2006">
               <mc:Choice xmlns:v="urn:schemas-microsoft-com:vml" Requires="v">
-                <p:oleObj spid="_x0000_s7189" name="Visio" r:id="rId5" imgW="8526746" imgH="4026780" progId="Visio.Drawing.11">
+                <p:oleObj spid="_x0000_s7191" name="Visio" r:id="rId5" imgW="8526746" imgH="4026780" progId="Visio.Drawing.11">
                   <p:embed/>
                 </p:oleObj>
               </mc:Choice>
@@ -4627,26 +4722,7 @@
                 <a:latin typeface="Calibri" pitchFamily="34" charset="0"/>
                 <a:cs typeface="Calibri" pitchFamily="34" charset="0"/>
               </a:rPr>
-              <a:t>Выбраны современные и </a:t>
-            </a:r>
-            <a:r>
-              <a:rPr lang="ru-RU" sz="2800" dirty="0" smtClean="0">
-                <a:solidFill>
-                  <a:schemeClr val="tx2">
-                    <a:lumMod val="25000"/>
-                  </a:schemeClr>
-                </a:solidFill>
-                <a:effectLst>
-                  <a:outerShdw blurRad="38100" dist="38100" dir="2700000" algn="tl">
-                    <a:srgbClr val="000000">
-                      <a:alpha val="43137"/>
-                    </a:srgbClr>
-                  </a:outerShdw>
-                </a:effectLst>
-                <a:latin typeface="Calibri" pitchFamily="34" charset="0"/>
-                <a:cs typeface="Calibri" pitchFamily="34" charset="0"/>
-              </a:rPr>
-              <a:t>эффективные технологии</a:t>
+              <a:t>Выбраны современные и эффективные технологии</a:t>
             </a:r>
           </a:p>
           <a:p>
@@ -5935,27 +6011,27 @@
       </p:sp>
       <p:graphicFrame>
         <p:nvGraphicFramePr>
-          <p:cNvPr id="2" name="Объект 1"/>
+          <p:cNvPr id="3" name="Объект 2"/>
           <p:cNvGraphicFramePr>
             <a:graphicFrameLocks noChangeAspect="1"/>
           </p:cNvGraphicFramePr>
           <p:nvPr>
             <p:extLst>
               <p:ext uri="{D42A27DB-BD31-4B8C-83A1-F6EECF244321}">
-                <p14:modId xmlns:p14="http://schemas.microsoft.com/office/powerpoint/2010/main" val="4017538307"/>
+                <p14:modId xmlns:p14="http://schemas.microsoft.com/office/powerpoint/2010/main" val="1491879963"/>
               </p:ext>
             </p:extLst>
           </p:nvPr>
         </p:nvGraphicFramePr>
         <p:xfrm>
-          <a:off x="2314625" y="1055688"/>
-          <a:ext cx="4514751" cy="5571236"/>
+          <a:off x="2339752" y="993778"/>
+          <a:ext cx="4464496" cy="5509220"/>
         </p:xfrm>
         <a:graphic>
           <a:graphicData uri="http://schemas.openxmlformats.org/presentationml/2006/ole">
             <mc:AlternateContent xmlns:mc="http://schemas.openxmlformats.org/markup-compatibility/2006">
               <mc:Choice xmlns:v="urn:schemas-microsoft-com:vml" Requires="v">
-                <p:oleObj spid="_x0000_s1078" name="Visio" r:id="rId5" imgW="3846693" imgH="4746600" progId="Visio.Drawing.11">
+                <p:oleObj spid="_x0000_s1080" name="Visio" r:id="rId5" imgW="3846693" imgH="4746600" progId="Visio.Drawing.11">
                   <p:embed/>
                 </p:oleObj>
               </mc:Choice>
@@ -5976,8 +6052,8 @@
                     </p:blipFill>
                     <p:spPr>
                       <a:xfrm>
-                        <a:off x="2314625" y="1055688"/>
-                        <a:ext cx="4514751" cy="5571236"/>
+                        <a:off x="2339752" y="993778"/>
+                        <a:ext cx="4464496" cy="5509220"/>
                       </a:xfrm>
                       <a:prstGeom prst="rect">
                         <a:avLst/>
@@ -6034,7 +6110,7 @@
                                           </p:stCondLst>
                                         </p:cTn>
                                         <p:tgtEl>
-                                          <p:spTgt spid="2"/>
+                                          <p:spTgt spid="3"/>
                                         </p:tgtEl>
                                         <p:attrNameLst>
                                           <p:attrName>style.visibility</p:attrName>
@@ -6048,7 +6124,7 @@
                                       <p:cBhvr>
                                         <p:cTn id="7" dur="500"/>
                                         <p:tgtEl>
-                                          <p:spTgt spid="2"/>
+                                          <p:spTgt spid="3"/>
                                         </p:tgtEl>
                                       </p:cBhvr>
                                     </p:animEffect>
@@ -6389,7 +6465,7 @@
           <a:graphicData uri="http://schemas.openxmlformats.org/presentationml/2006/ole">
             <mc:AlternateContent xmlns:mc="http://schemas.openxmlformats.org/markup-compatibility/2006">
               <mc:Choice xmlns:v="urn:schemas-microsoft-com:vml" Requires="v">
-                <p:oleObj spid="_x0000_s2122" name="Visio" r:id="rId5" imgW="4714900" imgH="3406320" progId="Visio.Drawing.11">
+                <p:oleObj spid="_x0000_s2126" name="Visio" r:id="rId5" imgW="4714900" imgH="3406320" progId="Visio.Drawing.11">
                   <p:embed/>
                 </p:oleObj>
               </mc:Choice>
@@ -6446,7 +6522,7 @@
           <a:graphicData uri="http://schemas.openxmlformats.org/presentationml/2006/ole">
             <mc:AlternateContent xmlns:mc="http://schemas.openxmlformats.org/markup-compatibility/2006">
               <mc:Choice xmlns:v="urn:schemas-microsoft-com:vml" Requires="v">
-                <p:oleObj spid="_x0000_s2123" name="Visio" r:id="rId7" imgW="3455000" imgH="3946320" progId="Visio.Drawing.11">
+                <p:oleObj spid="_x0000_s2127" name="Visio" r:id="rId7" imgW="3455000" imgH="3946320" progId="Visio.Drawing.11">
                   <p:embed/>
                 </p:oleObj>
               </mc:Choice>
@@ -6964,7 +7040,7 @@
           <a:graphicData uri="http://schemas.openxmlformats.org/presentationml/2006/ole">
             <mc:AlternateContent xmlns:mc="http://schemas.openxmlformats.org/markup-compatibility/2006">
               <mc:Choice xmlns:v="urn:schemas-microsoft-com:vml" Requires="v">
-                <p:oleObj spid="_x0000_s3098" name="Visio" r:id="rId5" imgW="7234971" imgH="5531760" progId="Visio.Drawing.11">
+                <p:oleObj spid="_x0000_s3100" name="Visio" r:id="rId5" imgW="7234971" imgH="5531760" progId="Visio.Drawing.11">
                   <p:embed/>
                 </p:oleObj>
               </mc:Choice>
@@ -7298,7 +7374,7 @@
           <a:graphicData uri="http://schemas.openxmlformats.org/presentationml/2006/ole">
             <mc:AlternateContent xmlns:mc="http://schemas.openxmlformats.org/markup-compatibility/2006">
               <mc:Choice xmlns:v="urn:schemas-microsoft-com:vml" Requires="v">
-                <p:oleObj spid="_x0000_s4121" name="Visio" r:id="rId5" imgW="7954875" imgH="3843720" progId="Visio.Drawing.11">
+                <p:oleObj spid="_x0000_s4123" name="Visio" r:id="rId5" imgW="7954875" imgH="3843720" progId="Visio.Drawing.11">
                   <p:embed/>
                 </p:oleObj>
               </mc:Choice>
@@ -7551,7 +7627,7 @@
           <a:graphicData uri="http://schemas.openxmlformats.org/presentationml/2006/ole">
             <mc:AlternateContent xmlns:mc="http://schemas.openxmlformats.org/markup-compatibility/2006">
               <mc:Choice xmlns:v="urn:schemas-microsoft-com:vml" Requires="v">
-                <p:oleObj spid="_x0000_s5145" name="Visio" r:id="rId5" imgW="8675049" imgH="4026240" progId="Visio.Drawing.11">
+                <p:oleObj spid="_x0000_s5147" name="Visio" r:id="rId5" imgW="8675049" imgH="4026240" progId="Visio.Drawing.11">
                   <p:embed/>
                 </p:oleObj>
               </mc:Choice>
